--- a/Gallery Alice.pptx
+++ b/Gallery Alice.pptx
@@ -9,14 +9,9 @@
     <p:sldId id="257" r:id="rId3"/>
     <p:sldId id="274" r:id="rId4"/>
     <p:sldId id="273" r:id="rId5"/>
-    <p:sldId id="260" r:id="rId6"/>
-    <p:sldId id="272" r:id="rId7"/>
-    <p:sldId id="266" r:id="rId8"/>
-    <p:sldId id="267" r:id="rId9"/>
-    <p:sldId id="271" r:id="rId10"/>
-    <p:sldId id="268" r:id="rId11"/>
-    <p:sldId id="269" r:id="rId12"/>
-    <p:sldId id="270" r:id="rId13"/>
+    <p:sldId id="272" r:id="rId6"/>
+    <p:sldId id="271" r:id="rId7"/>
+    <p:sldId id="270" r:id="rId8"/>
   </p:sldIdLst>
   <p:sldSz cx="12192000" cy="6858000"/>
   <p:notesSz cx="6858000" cy="9144000"/>
@@ -310,7 +305,7 @@
           <a:p>
             <a:fld id="{883A1497-3362-46D6-850F-B16A968208D8}" type="datetimeFigureOut">
               <a:rPr lang="ko-KR" altLang="en-US" smtClean="0"/>
-              <a:t>2023-04-27</a:t>
+              <a:t>2023-04-28</a:t>
             </a:fld>
             <a:endParaRPr lang="ko-KR" altLang="en-US"/>
           </a:p>
@@ -2114,7 +2109,7 @@
           <a:p>
             <a:fld id="{883A1497-3362-46D6-850F-B16A968208D8}" type="datetimeFigureOut">
               <a:rPr lang="ko-KR" altLang="en-US" smtClean="0"/>
-              <a:t>2023-04-27</a:t>
+              <a:t>2023-04-28</a:t>
             </a:fld>
             <a:endParaRPr lang="ko-KR" altLang="en-US"/>
           </a:p>
@@ -2294,7 +2289,7 @@
           <a:p>
             <a:fld id="{883A1497-3362-46D6-850F-B16A968208D8}" type="datetimeFigureOut">
               <a:rPr lang="ko-KR" altLang="en-US" smtClean="0"/>
-              <a:t>2023-04-27</a:t>
+              <a:t>2023-04-28</a:t>
             </a:fld>
             <a:endParaRPr lang="ko-KR" altLang="en-US"/>
           </a:p>
@@ -2469,7 +2464,7 @@
           <a:p>
             <a:fld id="{883A1497-3362-46D6-850F-B16A968208D8}" type="datetimeFigureOut">
               <a:rPr lang="ko-KR" altLang="en-US" smtClean="0"/>
-              <a:t>2023-04-27</a:t>
+              <a:t>2023-04-28</a:t>
             </a:fld>
             <a:endParaRPr lang="ko-KR" altLang="en-US"/>
           </a:p>
@@ -2717,7 +2712,7 @@
           <a:p>
             <a:fld id="{883A1497-3362-46D6-850F-B16A968208D8}" type="datetimeFigureOut">
               <a:rPr lang="ko-KR" altLang="en-US" smtClean="0"/>
-              <a:t>2023-04-27</a:t>
+              <a:t>2023-04-28</a:t>
             </a:fld>
             <a:endParaRPr lang="ko-KR" altLang="en-US"/>
           </a:p>
@@ -4639,7 +4634,7 @@
           <a:p>
             <a:fld id="{883A1497-3362-46D6-850F-B16A968208D8}" type="datetimeFigureOut">
               <a:rPr lang="ko-KR" altLang="en-US" smtClean="0"/>
-              <a:t>2023-04-27</a:t>
+              <a:t>2023-04-28</a:t>
             </a:fld>
             <a:endParaRPr lang="ko-KR" altLang="en-US"/>
           </a:p>
@@ -5075,7 +5070,7 @@
           <a:p>
             <a:fld id="{883A1497-3362-46D6-850F-B16A968208D8}" type="datetimeFigureOut">
               <a:rPr lang="ko-KR" altLang="en-US" smtClean="0"/>
-              <a:t>2023-04-27</a:t>
+              <a:t>2023-04-28</a:t>
             </a:fld>
             <a:endParaRPr lang="ko-KR" altLang="en-US"/>
           </a:p>
@@ -5193,7 +5188,7 @@
           <a:p>
             <a:fld id="{883A1497-3362-46D6-850F-B16A968208D8}" type="datetimeFigureOut">
               <a:rPr lang="ko-KR" altLang="en-US" smtClean="0"/>
-              <a:t>2023-04-27</a:t>
+              <a:t>2023-04-28</a:t>
             </a:fld>
             <a:endParaRPr lang="ko-KR" altLang="en-US"/>
           </a:p>
@@ -5288,7 +5283,7 @@
           <a:p>
             <a:fld id="{883A1497-3362-46D6-850F-B16A968208D8}" type="datetimeFigureOut">
               <a:rPr lang="ko-KR" altLang="en-US" smtClean="0"/>
-              <a:t>2023-04-27</a:t>
+              <a:t>2023-04-28</a:t>
             </a:fld>
             <a:endParaRPr lang="ko-KR" altLang="en-US"/>
           </a:p>
@@ -5585,7 +5580,7 @@
           <a:p>
             <a:fld id="{883A1497-3362-46D6-850F-B16A968208D8}" type="datetimeFigureOut">
               <a:rPr lang="ko-KR" altLang="en-US" smtClean="0"/>
-              <a:t>2023-04-27</a:t>
+              <a:t>2023-04-28</a:t>
             </a:fld>
             <a:endParaRPr lang="ko-KR" altLang="en-US"/>
           </a:p>
@@ -5857,7 +5852,7 @@
           <a:p>
             <a:fld id="{883A1497-3362-46D6-850F-B16A968208D8}" type="datetimeFigureOut">
               <a:rPr lang="ko-KR" altLang="en-US" smtClean="0"/>
-              <a:t>2023-04-27</a:t>
+              <a:t>2023-04-28</a:t>
             </a:fld>
             <a:endParaRPr lang="ko-KR" altLang="en-US"/>
           </a:p>
@@ -8970,7 +8965,7 @@
           <a:p>
             <a:fld id="{883A1497-3362-46D6-850F-B16A968208D8}" type="datetimeFigureOut">
               <a:rPr lang="ko-KR" altLang="en-US" smtClean="0"/>
-              <a:t>2023-04-27</a:t>
+              <a:t>2023-04-28</a:t>
             </a:fld>
             <a:endParaRPr lang="ko-KR" altLang="en-US"/>
           </a:p>
@@ -9510,643 +9505,6 @@
 </p:sld>
 </file>
 
-<file path=ppt/slides/slide10.xml><?xml version="1.0" encoding="utf-8"?>
-<p:sld xmlns:a="http://schemas.openxmlformats.org/drawingml/2006/main" xmlns:r="http://schemas.openxmlformats.org/officeDocument/2006/relationships" xmlns:p="http://schemas.openxmlformats.org/presentationml/2006/main">
-  <p:cSld>
-    <p:spTree>
-      <p:nvGrpSpPr>
-        <p:cNvPr id="1" name=""/>
-        <p:cNvGrpSpPr/>
-        <p:nvPr/>
-      </p:nvGrpSpPr>
-      <p:grpSpPr>
-        <a:xfrm>
-          <a:off x="0" y="0"/>
-          <a:ext cx="0" cy="0"/>
-          <a:chOff x="0" y="0"/>
-          <a:chExt cx="0" cy="0"/>
-        </a:xfrm>
-      </p:grpSpPr>
-      <p:pic>
-        <p:nvPicPr>
-          <p:cNvPr id="5" name="그림 4"/>
-          <p:cNvPicPr>
-            <a:picLocks noChangeAspect="1"/>
-          </p:cNvPicPr>
-          <p:nvPr/>
-        </p:nvPicPr>
-        <p:blipFill>
-          <a:blip r:embed="rId2"/>
-          <a:stretch>
-            <a:fillRect/>
-          </a:stretch>
-        </p:blipFill>
-        <p:spPr>
-          <a:xfrm>
-            <a:off x="3490865" y="2823100"/>
-            <a:ext cx="8602195" cy="2240962"/>
-          </a:xfrm>
-          <a:prstGeom prst="rect">
-            <a:avLst/>
-          </a:prstGeom>
-        </p:spPr>
-      </p:pic>
-      <p:pic>
-        <p:nvPicPr>
-          <p:cNvPr id="6" name="그림 5"/>
-          <p:cNvPicPr>
-            <a:picLocks noChangeAspect="1"/>
-          </p:cNvPicPr>
-          <p:nvPr/>
-        </p:nvPicPr>
-        <p:blipFill>
-          <a:blip r:embed="rId3"/>
-          <a:stretch>
-            <a:fillRect/>
-          </a:stretch>
-        </p:blipFill>
-        <p:spPr>
-          <a:xfrm>
-            <a:off x="739342" y="3142694"/>
-            <a:ext cx="2671375" cy="1921368"/>
-          </a:xfrm>
-          <a:prstGeom prst="rect">
-            <a:avLst/>
-          </a:prstGeom>
-        </p:spPr>
-      </p:pic>
-      <p:sp>
-        <p:nvSpPr>
-          <p:cNvPr id="7" name="TextBox 6"/>
-          <p:cNvSpPr txBox="1"/>
-          <p:nvPr/>
-        </p:nvSpPr>
-        <p:spPr>
-          <a:xfrm>
-            <a:off x="1518082" y="1544715"/>
-            <a:ext cx="10470943" cy="369332"/>
-          </a:xfrm>
-          <a:prstGeom prst="rect">
-            <a:avLst/>
-          </a:prstGeom>
-          <a:noFill/>
-        </p:spPr>
-        <p:txBody>
-          <a:bodyPr wrap="none" rtlCol="0">
-            <a:spAutoFit/>
-          </a:bodyPr>
-          <a:lstStyle/>
-          <a:p>
-            <a:r>
-              <a:rPr lang="en-US" altLang="ko-KR" dirty="0" smtClean="0"/>
-              <a:t>Footer</a:t>
-            </a:r>
-            <a:r>
-              <a:rPr lang="ko-KR" altLang="en-US" dirty="0" smtClean="0"/>
-              <a:t>를 가로를 </a:t>
-            </a:r>
-            <a:r>
-              <a:rPr lang="en-US" altLang="ko-KR" dirty="0" smtClean="0"/>
-              <a:t>100%</a:t>
-            </a:r>
-            <a:r>
-              <a:rPr lang="ko-KR" altLang="en-US" dirty="0" smtClean="0"/>
-              <a:t>로 잡았으며</a:t>
-            </a:r>
-            <a:r>
-              <a:rPr lang="en-US" altLang="ko-KR" dirty="0" smtClean="0"/>
-              <a:t>, </a:t>
-            </a:r>
-            <a:r>
-              <a:rPr lang="ko-KR" altLang="en-US" dirty="0" smtClean="0"/>
-              <a:t>클래스 </a:t>
-            </a:r>
-            <a:r>
-              <a:rPr lang="en-US" altLang="ko-KR" dirty="0" err="1" smtClean="0"/>
-              <a:t>botto</a:t>
-            </a:r>
-            <a:r>
-              <a:rPr lang="ko-KR" altLang="en-US" dirty="0" smtClean="0"/>
-              <a:t>을 </a:t>
-            </a:r>
-            <a:r>
-              <a:rPr lang="en-US" altLang="ko-KR" dirty="0" smtClean="0"/>
-              <a:t>1200px</a:t>
-            </a:r>
-            <a:r>
-              <a:rPr lang="ko-KR" altLang="en-US" dirty="0" smtClean="0"/>
-              <a:t>로 지정하였으며</a:t>
-            </a:r>
-            <a:r>
-              <a:rPr lang="en-US" altLang="ko-KR" dirty="0" smtClean="0"/>
-              <a:t>, </a:t>
-            </a:r>
-            <a:r>
-              <a:rPr lang="ko-KR" altLang="en-US" dirty="0" smtClean="0"/>
-              <a:t>안에 </a:t>
-            </a:r>
-            <a:r>
-              <a:rPr lang="en-US" altLang="ko-KR" dirty="0" smtClean="0"/>
-              <a:t>copy, SNS, </a:t>
-            </a:r>
-            <a:r>
-              <a:rPr lang="en-US" altLang="ko-KR" dirty="0" err="1" smtClean="0"/>
-              <a:t>copye</a:t>
-            </a:r>
-            <a:r>
-              <a:rPr lang="ko-KR" altLang="en-US" dirty="0" smtClean="0"/>
-              <a:t>를 넣었습니다</a:t>
-            </a:r>
-            <a:r>
-              <a:rPr lang="en-US" altLang="ko-KR" dirty="0" smtClean="0"/>
-              <a:t>.</a:t>
-            </a:r>
-          </a:p>
-        </p:txBody>
-      </p:sp>
-      <p:pic>
-        <p:nvPicPr>
-          <p:cNvPr id="9" name="그림 8"/>
-          <p:cNvPicPr>
-            <a:picLocks noChangeAspect="1"/>
-          </p:cNvPicPr>
-          <p:nvPr/>
-        </p:nvPicPr>
-        <p:blipFill>
-          <a:blip r:embed="rId4"/>
-          <a:stretch>
-            <a:fillRect/>
-          </a:stretch>
-        </p:blipFill>
-        <p:spPr>
-          <a:xfrm>
-            <a:off x="1414045" y="5215433"/>
-            <a:ext cx="10679015" cy="1505160"/>
-          </a:xfrm>
-          <a:prstGeom prst="rect">
-            <a:avLst/>
-          </a:prstGeom>
-        </p:spPr>
-      </p:pic>
-    </p:spTree>
-    <p:extLst>
-      <p:ext uri="{BB962C8B-B14F-4D97-AF65-F5344CB8AC3E}">
-        <p14:creationId xmlns:p14="http://schemas.microsoft.com/office/powerpoint/2010/main" val="3923063586"/>
-      </p:ext>
-    </p:extLst>
-  </p:cSld>
-  <p:clrMapOvr>
-    <a:masterClrMapping/>
-  </p:clrMapOvr>
-  <p:timing>
-    <p:tnLst>
-      <p:par>
-        <p:cTn id="1" dur="indefinite" restart="never" nodeType="tmRoot"/>
-      </p:par>
-    </p:tnLst>
-  </p:timing>
-</p:sld>
-</file>
-
-<file path=ppt/slides/slide11.xml><?xml version="1.0" encoding="utf-8"?>
-<p:sld xmlns:a="http://schemas.openxmlformats.org/drawingml/2006/main" xmlns:r="http://schemas.openxmlformats.org/officeDocument/2006/relationships" xmlns:p="http://schemas.openxmlformats.org/presentationml/2006/main">
-  <p:cSld>
-    <p:spTree>
-      <p:nvGrpSpPr>
-        <p:cNvPr id="1" name=""/>
-        <p:cNvGrpSpPr/>
-        <p:nvPr/>
-      </p:nvGrpSpPr>
-      <p:grpSpPr>
-        <a:xfrm>
-          <a:off x="0" y="0"/>
-          <a:ext cx="0" cy="0"/>
-          <a:chOff x="0" y="0"/>
-          <a:chExt cx="0" cy="0"/>
-        </a:xfrm>
-      </p:grpSpPr>
-      <p:pic>
-        <p:nvPicPr>
-          <p:cNvPr id="7" name="CECD8DF">
-            <a:hlinkClick r:id="" action="ppaction://media"/>
-          </p:cNvPr>
-          <p:cNvPicPr>
-            <a:picLocks noChangeAspect="1"/>
-          </p:cNvPicPr>
-          <p:nvPr>
-            <a:videoFile r:link="rId2"/>
-            <p:extLst>
-              <p:ext uri="{DAA4B4D4-6D71-4841-9C94-3DE7FCFB9230}">
-                <p14:media xmlns:p14="http://schemas.microsoft.com/office/powerpoint/2010/main" r:embed="rId1"/>
-              </p:ext>
-            </p:extLst>
-          </p:nvPr>
-        </p:nvPicPr>
-        <p:blipFill>
-          <a:blip r:embed="rId4"/>
-          <a:stretch>
-            <a:fillRect/>
-          </a:stretch>
-        </p:blipFill>
-        <p:spPr>
-          <a:xfrm>
-            <a:off x="5469222" y="4195050"/>
-            <a:ext cx="3772432" cy="1128204"/>
-          </a:xfrm>
-          <a:prstGeom prst="rect">
-            <a:avLst/>
-          </a:prstGeom>
-        </p:spPr>
-      </p:pic>
-      <p:pic>
-        <p:nvPicPr>
-          <p:cNvPr id="8" name="그림 7"/>
-          <p:cNvPicPr>
-            <a:picLocks noChangeAspect="1"/>
-          </p:cNvPicPr>
-          <p:nvPr/>
-        </p:nvPicPr>
-        <p:blipFill>
-          <a:blip r:embed="rId5"/>
-          <a:stretch>
-            <a:fillRect/>
-          </a:stretch>
-        </p:blipFill>
-        <p:spPr>
-          <a:xfrm>
-            <a:off x="1020932" y="5585007"/>
-            <a:ext cx="8220722" cy="1158674"/>
-          </a:xfrm>
-          <a:prstGeom prst="rect">
-            <a:avLst/>
-          </a:prstGeom>
-        </p:spPr>
-      </p:pic>
-      <p:sp>
-        <p:nvSpPr>
-          <p:cNvPr id="9" name="TextBox 8"/>
-          <p:cNvSpPr txBox="1"/>
-          <p:nvPr/>
-        </p:nvSpPr>
-        <p:spPr>
-          <a:xfrm>
-            <a:off x="1020932" y="2024109"/>
-            <a:ext cx="8240141" cy="923330"/>
-          </a:xfrm>
-          <a:prstGeom prst="rect">
-            <a:avLst/>
-          </a:prstGeom>
-          <a:noFill/>
-        </p:spPr>
-        <p:txBody>
-          <a:bodyPr wrap="none" rtlCol="0">
-            <a:spAutoFit/>
-          </a:bodyPr>
-          <a:lstStyle/>
-          <a:p>
-            <a:r>
-              <a:rPr lang="en-US" altLang="ko-KR" dirty="0" smtClean="0"/>
-              <a:t>Copy</a:t>
-            </a:r>
-            <a:r>
-              <a:rPr lang="ko-KR" altLang="en-US" dirty="0"/>
-              <a:t> </a:t>
-            </a:r>
-            <a:r>
-              <a:rPr lang="ko-KR" altLang="en-US" dirty="0" smtClean="0"/>
-              <a:t>클래스를 만들어 </a:t>
-            </a:r>
-            <a:r>
-              <a:rPr lang="en-US" altLang="ko-KR" dirty="0" smtClean="0"/>
-              <a:t>li</a:t>
-            </a:r>
-            <a:r>
-              <a:rPr lang="ko-KR" altLang="en-US" dirty="0" smtClean="0"/>
-              <a:t>안에 텍스트 중앙 정렬을 하고 </a:t>
-            </a:r>
-            <a:r>
-              <a:rPr lang="en-US" altLang="ko-KR" dirty="0" smtClean="0"/>
-              <a:t>SNS </a:t>
-            </a:r>
-            <a:r>
-              <a:rPr lang="ko-KR" altLang="en-US" dirty="0" smtClean="0"/>
-              <a:t>안에 </a:t>
-            </a:r>
-            <a:r>
-              <a:rPr lang="en-US" altLang="ko-KR" dirty="0" err="1" smtClean="0"/>
-              <a:t>img</a:t>
-            </a:r>
-            <a:r>
-              <a:rPr lang="ko-KR" altLang="en-US" dirty="0" smtClean="0"/>
-              <a:t>를 오른쪽 정렬 하였으며</a:t>
-            </a:r>
-            <a:r>
-              <a:rPr lang="en-US" altLang="ko-KR" dirty="0" smtClean="0"/>
-              <a:t>,</a:t>
-            </a:r>
-          </a:p>
-          <a:p>
-            <a:r>
-              <a:rPr lang="en-US" altLang="ko-KR" dirty="0" smtClean="0"/>
-              <a:t>SNS</a:t>
-            </a:r>
-            <a:r>
-              <a:rPr lang="ko-KR" altLang="en-US" dirty="0" smtClean="0"/>
-              <a:t>에 가져다 놓으면 불투명해지고 </a:t>
-            </a:r>
-            <a:r>
-              <a:rPr lang="en-US" altLang="ko-KR" dirty="0" smtClean="0"/>
-              <a:t>SNS</a:t>
-            </a:r>
-            <a:r>
-              <a:rPr lang="ko-KR" altLang="en-US" dirty="0" smtClean="0"/>
-              <a:t>를 누르면 </a:t>
-            </a:r>
-            <a:r>
-              <a:rPr lang="ko-KR" altLang="en-US" dirty="0" err="1" smtClean="0"/>
-              <a:t>새창에</a:t>
-            </a:r>
-            <a:r>
-              <a:rPr lang="ko-KR" altLang="en-US" dirty="0" smtClean="0"/>
-              <a:t> 해당되는 사이트로 가진다</a:t>
-            </a:r>
-            <a:r>
-              <a:rPr lang="en-US" altLang="ko-KR" dirty="0" smtClean="0"/>
-              <a:t>.</a:t>
-            </a:r>
-          </a:p>
-          <a:p>
-            <a:r>
-              <a:rPr lang="en-US" altLang="ko-KR" dirty="0" err="1" smtClean="0"/>
-              <a:t>Copye</a:t>
-            </a:r>
-            <a:r>
-              <a:rPr lang="ko-KR" altLang="en-US" dirty="0" smtClean="0"/>
-              <a:t>에 </a:t>
-            </a:r>
-            <a:r>
-              <a:rPr lang="ko-KR" altLang="en-US" dirty="0" err="1" smtClean="0"/>
-              <a:t>보더</a:t>
-            </a:r>
-            <a:r>
-              <a:rPr lang="ko-KR" altLang="en-US" dirty="0" smtClean="0"/>
-              <a:t> 탑을 하여 줄을 만들었으며 왼쪽 정렬 하였다</a:t>
-            </a:r>
-            <a:r>
-              <a:rPr lang="en-US" altLang="ko-KR" dirty="0" smtClean="0"/>
-              <a:t>.</a:t>
-            </a:r>
-            <a:r>
-              <a:rPr lang="ko-KR" altLang="en-US" dirty="0" smtClean="0"/>
-              <a:t> </a:t>
-            </a:r>
-            <a:endParaRPr lang="ko-KR" altLang="en-US" dirty="0"/>
-          </a:p>
-        </p:txBody>
-      </p:sp>
-      <p:pic>
-        <p:nvPicPr>
-          <p:cNvPr id="10" name="그림 9"/>
-          <p:cNvPicPr>
-            <a:picLocks noChangeAspect="1"/>
-          </p:cNvPicPr>
-          <p:nvPr/>
-        </p:nvPicPr>
-        <p:blipFill>
-          <a:blip r:embed="rId6"/>
-          <a:stretch>
-            <a:fillRect/>
-          </a:stretch>
-        </p:blipFill>
-        <p:spPr>
-          <a:xfrm>
-            <a:off x="9403634" y="1015522"/>
-            <a:ext cx="2548214" cy="5728159"/>
-          </a:xfrm>
-          <a:prstGeom prst="rect">
-            <a:avLst/>
-          </a:prstGeom>
-        </p:spPr>
-      </p:pic>
-    </p:spTree>
-    <p:extLst>
-      <p:ext uri="{BB962C8B-B14F-4D97-AF65-F5344CB8AC3E}">
-        <p14:creationId xmlns:p14="http://schemas.microsoft.com/office/powerpoint/2010/main" val="1664635490"/>
-      </p:ext>
-    </p:extLst>
-  </p:cSld>
-  <p:clrMapOvr>
-    <a:masterClrMapping/>
-  </p:clrMapOvr>
-  <p:timing>
-    <p:tnLst>
-      <p:par>
-        <p:cTn id="1" dur="indefinite" restart="never" nodeType="tmRoot">
-          <p:childTnLst>
-            <p:seq concurrent="1" nextAc="seek">
-              <p:cTn id="2" dur="indefinite" nodeType="mainSeq">
-                <p:childTnLst>
-                  <p:par>
-                    <p:cTn id="3" fill="hold">
-                      <p:stCondLst>
-                        <p:cond delay="indefinite"/>
-                        <p:cond evt="onBegin" delay="0">
-                          <p:tn val="2"/>
-                        </p:cond>
-                      </p:stCondLst>
-                      <p:childTnLst>
-                        <p:par>
-                          <p:cTn id="4" fill="hold">
-                            <p:stCondLst>
-                              <p:cond delay="0"/>
-                            </p:stCondLst>
-                            <p:childTnLst>
-                              <p:par>
-                                <p:cTn id="5" presetID="1" presetClass="mediacall" presetSubtype="0" fill="hold" nodeType="afterEffect">
-                                  <p:stCondLst>
-                                    <p:cond delay="0"/>
-                                  </p:stCondLst>
-                                  <p:childTnLst>
-                                    <p:cmd type="call" cmd="playFrom(0.0)">
-                                      <p:cBhvr>
-                                        <p:cTn id="6" dur="4871" fill="hold"/>
-                                        <p:tgtEl>
-                                          <p:spTgt spid="7"/>
-                                        </p:tgtEl>
-                                      </p:cBhvr>
-                                    </p:cmd>
-                                  </p:childTnLst>
-                                </p:cTn>
-                              </p:par>
-                            </p:childTnLst>
-                          </p:cTn>
-                        </p:par>
-                      </p:childTnLst>
-                    </p:cTn>
-                  </p:par>
-                </p:childTnLst>
-              </p:cTn>
-              <p:prevCondLst>
-                <p:cond evt="onPrev" delay="0">
-                  <p:tgtEl>
-                    <p:sldTgt/>
-                  </p:tgtEl>
-                </p:cond>
-              </p:prevCondLst>
-              <p:nextCondLst>
-                <p:cond evt="onNext" delay="0">
-                  <p:tgtEl>
-                    <p:sldTgt/>
-                  </p:tgtEl>
-                </p:cond>
-              </p:nextCondLst>
-            </p:seq>
-            <p:video>
-              <p:cMediaNode vol="80000">
-                <p:cTn id="7" repeatCount="indefinite" fill="hold" display="0">
-                  <p:stCondLst>
-                    <p:cond delay="indefinite"/>
-                  </p:stCondLst>
-                </p:cTn>
-                <p:tgtEl>
-                  <p:spTgt spid="7"/>
-                </p:tgtEl>
-              </p:cMediaNode>
-            </p:video>
-            <p:seq concurrent="1" nextAc="seek">
-              <p:cTn id="8" restart="whenNotActive" fill="hold" evtFilter="cancelBubble" nodeType="interactiveSeq">
-                <p:stCondLst>
-                  <p:cond evt="onClick" delay="0">
-                    <p:tgtEl>
-                      <p:spTgt spid="7"/>
-                    </p:tgtEl>
-                  </p:cond>
-                </p:stCondLst>
-                <p:endSync evt="end" delay="0">
-                  <p:rtn val="all"/>
-                </p:endSync>
-                <p:childTnLst>
-                  <p:par>
-                    <p:cTn id="9" fill="hold">
-                      <p:stCondLst>
-                        <p:cond delay="0"/>
-                      </p:stCondLst>
-                      <p:childTnLst>
-                        <p:par>
-                          <p:cTn id="10" fill="hold">
-                            <p:stCondLst>
-                              <p:cond delay="0"/>
-                            </p:stCondLst>
-                            <p:childTnLst>
-                              <p:par>
-                                <p:cTn id="11" presetID="2" presetClass="mediacall" presetSubtype="0" fill="hold" nodeType="clickEffect">
-                                  <p:stCondLst>
-                                    <p:cond delay="0"/>
-                                  </p:stCondLst>
-                                  <p:childTnLst>
-                                    <p:cmd type="call" cmd="togglePause">
-                                      <p:cBhvr>
-                                        <p:cTn id="12" dur="1" fill="hold"/>
-                                        <p:tgtEl>
-                                          <p:spTgt spid="7"/>
-                                        </p:tgtEl>
-                                      </p:cBhvr>
-                                    </p:cmd>
-                                  </p:childTnLst>
-                                </p:cTn>
-                              </p:par>
-                            </p:childTnLst>
-                          </p:cTn>
-                        </p:par>
-                      </p:childTnLst>
-                    </p:cTn>
-                  </p:par>
-                </p:childTnLst>
-              </p:cTn>
-              <p:nextCondLst>
-                <p:cond evt="onClick" delay="0">
-                  <p:tgtEl>
-                    <p:spTgt spid="7"/>
-                  </p:tgtEl>
-                </p:cond>
-              </p:nextCondLst>
-            </p:seq>
-          </p:childTnLst>
-        </p:cTn>
-      </p:par>
-    </p:tnLst>
-  </p:timing>
-</p:sld>
-</file>
-
-<file path=ppt/slides/slide12.xml><?xml version="1.0" encoding="utf-8"?>
-<p:sld xmlns:a="http://schemas.openxmlformats.org/drawingml/2006/main" xmlns:r="http://schemas.openxmlformats.org/officeDocument/2006/relationships" xmlns:p="http://schemas.openxmlformats.org/presentationml/2006/main">
-  <p:cSld>
-    <p:spTree>
-      <p:nvGrpSpPr>
-        <p:cNvPr id="1" name=""/>
-        <p:cNvGrpSpPr/>
-        <p:nvPr/>
-      </p:nvGrpSpPr>
-      <p:grpSpPr>
-        <a:xfrm>
-          <a:off x="0" y="0"/>
-          <a:ext cx="0" cy="0"/>
-          <a:chOff x="0" y="0"/>
-          <a:chExt cx="0" cy="0"/>
-        </a:xfrm>
-      </p:grpSpPr>
-      <p:sp>
-        <p:nvSpPr>
-          <p:cNvPr id="2" name="제목 1"/>
-          <p:cNvSpPr>
-            <a:spLocks noGrp="1"/>
-          </p:cNvSpPr>
-          <p:nvPr>
-            <p:ph type="title"/>
-          </p:nvPr>
-        </p:nvSpPr>
-        <p:spPr>
-          <a:xfrm>
-            <a:off x="201108" y="2370338"/>
-            <a:ext cx="11990891" cy="1997475"/>
-          </a:xfrm>
-        </p:spPr>
-        <p:txBody>
-          <a:bodyPr>
-            <a:normAutofit/>
-          </a:bodyPr>
-          <a:lstStyle/>
-          <a:p>
-            <a:pPr algn="ctr"/>
-            <a:r>
-              <a:rPr lang="ko-KR" altLang="en-US" sz="7000" dirty="0" smtClean="0"/>
-              <a:t>포부</a:t>
-            </a:r>
-            <a:endParaRPr lang="ko-KR" altLang="en-US" sz="7000" dirty="0"/>
-          </a:p>
-        </p:txBody>
-      </p:sp>
-    </p:spTree>
-    <p:extLst>
-      <p:ext uri="{BB962C8B-B14F-4D97-AF65-F5344CB8AC3E}">
-        <p14:creationId xmlns:p14="http://schemas.microsoft.com/office/powerpoint/2010/main" val="4020342906"/>
-      </p:ext>
-    </p:extLst>
-  </p:cSld>
-  <p:clrMapOvr>
-    <a:masterClrMapping/>
-  </p:clrMapOvr>
-  <p:timing>
-    <p:tnLst>
-      <p:par>
-        <p:cTn id="1" dur="indefinite" restart="never" nodeType="tmRoot"/>
-      </p:par>
-    </p:tnLst>
-  </p:timing>
-</p:sld>
-</file>
-
 <file path=ppt/slides/slide2.xml><?xml version="1.0" encoding="utf-8"?>
 <p:sld xmlns:a="http://schemas.openxmlformats.org/drawingml/2006/main" xmlns:r="http://schemas.openxmlformats.org/officeDocument/2006/relationships" xmlns:p="http://schemas.openxmlformats.org/presentationml/2006/main">
   <p:cSld>
@@ -10433,46 +9791,43 @@
       </p:grpSpPr>
       <p:sp>
         <p:nvSpPr>
-          <p:cNvPr id="11" name="TextBox 10"/>
-          <p:cNvSpPr txBox="1"/>
-          <p:nvPr/>
+          <p:cNvPr id="4" name="제목 1"/>
+          <p:cNvSpPr>
+            <a:spLocks noGrp="1"/>
+          </p:cNvSpPr>
+          <p:nvPr>
+            <p:ph type="title"/>
+          </p:nvPr>
         </p:nvSpPr>
         <p:spPr>
           <a:xfrm>
-            <a:off x="703146" y="619956"/>
-            <a:ext cx="5012185" cy="369332"/>
+            <a:off x="0" y="2370338"/>
+            <a:ext cx="12191999" cy="1997475"/>
           </a:xfrm>
-          <a:prstGeom prst="rect">
-            <a:avLst/>
-          </a:prstGeom>
-          <a:noFill/>
         </p:spPr>
         <p:txBody>
-          <a:bodyPr wrap="square" rtlCol="0">
-            <a:spAutoFit/>
+          <a:bodyPr>
+            <a:normAutofit/>
           </a:bodyPr>
           <a:lstStyle/>
           <a:p>
+            <a:pPr algn="ctr"/>
             <a:r>
-              <a:rPr lang="en-US" altLang="ko-KR" dirty="0" smtClean="0"/>
-              <a:t>MENU</a:t>
+              <a:rPr lang="en-US" altLang="ko-KR" sz="7000" dirty="0" smtClean="0"/>
+              <a:t>Body </a:t>
             </a:r>
             <a:r>
-              <a:rPr lang="ko-KR" altLang="en-US" dirty="0" smtClean="0"/>
-              <a:t>를 누르면 다른 창으로 갈 수 있도록 하였습니다</a:t>
+              <a:rPr lang="ko-KR" altLang="en-US" sz="7000" dirty="0" smtClean="0"/>
+              <a:t>소개</a:t>
             </a:r>
-            <a:r>
-              <a:rPr lang="en-US" altLang="ko-KR" dirty="0" smtClean="0"/>
-              <a:t>.</a:t>
-            </a:r>
-            <a:endParaRPr lang="ko-KR" altLang="en-US" dirty="0"/>
+            <a:endParaRPr lang="ko-KR" altLang="en-US" sz="7000" dirty="0"/>
           </a:p>
         </p:txBody>
       </p:sp>
     </p:spTree>
     <p:extLst>
       <p:ext uri="{BB962C8B-B14F-4D97-AF65-F5344CB8AC3E}">
-        <p14:creationId xmlns:p14="http://schemas.microsoft.com/office/powerpoint/2010/main" val="2292908031"/>
+        <p14:creationId xmlns:p14="http://schemas.microsoft.com/office/powerpoint/2010/main" val="1011513937"/>
       </p:ext>
     </p:extLst>
   </p:cSld>
@@ -10531,7 +9886,7 @@
             <a:pPr algn="ctr"/>
             <a:r>
               <a:rPr lang="en-US" altLang="ko-KR" sz="7000" dirty="0" smtClean="0"/>
-              <a:t>Body </a:t>
+              <a:t>Footer </a:t>
             </a:r>
             <a:r>
               <a:rPr lang="ko-KR" altLang="en-US" sz="7000" dirty="0" smtClean="0"/>
@@ -10544,7 +9899,7 @@
     </p:spTree>
     <p:extLst>
       <p:ext uri="{BB962C8B-B14F-4D97-AF65-F5344CB8AC3E}">
-        <p14:creationId xmlns:p14="http://schemas.microsoft.com/office/powerpoint/2010/main" val="1011513937"/>
+        <p14:creationId xmlns:p14="http://schemas.microsoft.com/office/powerpoint/2010/main" val="1130694293"/>
       </p:ext>
     </p:extLst>
   </p:cSld>
@@ -10578,624 +9933,9 @@
           <a:chExt cx="0" cy="0"/>
         </a:xfrm>
       </p:grpSpPr>
-      <p:pic>
-        <p:nvPicPr>
-          <p:cNvPr id="4" name="그림 3"/>
-          <p:cNvPicPr>
-            <a:picLocks noChangeAspect="1"/>
-          </p:cNvPicPr>
-          <p:nvPr/>
-        </p:nvPicPr>
-        <p:blipFill>
-          <a:blip r:embed="rId4"/>
-          <a:stretch>
-            <a:fillRect/>
-          </a:stretch>
-        </p:blipFill>
-        <p:spPr>
-          <a:xfrm>
-            <a:off x="2404482" y="4456590"/>
-            <a:ext cx="5074719" cy="2142197"/>
-          </a:xfrm>
-          <a:prstGeom prst="rect">
-            <a:avLst/>
-          </a:prstGeom>
-        </p:spPr>
-      </p:pic>
-      <p:pic>
-        <p:nvPicPr>
-          <p:cNvPr id="5" name="그림 4"/>
-          <p:cNvPicPr>
-            <a:picLocks noChangeAspect="1"/>
-          </p:cNvPicPr>
-          <p:nvPr/>
-        </p:nvPicPr>
-        <p:blipFill>
-          <a:blip r:embed="rId5"/>
-          <a:stretch>
-            <a:fillRect/>
-          </a:stretch>
-        </p:blipFill>
-        <p:spPr>
-          <a:xfrm>
-            <a:off x="10292035" y="142044"/>
-            <a:ext cx="1676751" cy="6456744"/>
-          </a:xfrm>
-          <a:prstGeom prst="rect">
-            <a:avLst/>
-          </a:prstGeom>
-        </p:spPr>
-      </p:pic>
-      <p:pic>
-        <p:nvPicPr>
-          <p:cNvPr id="6" name="그림 5"/>
-          <p:cNvPicPr>
-            <a:picLocks noChangeAspect="1"/>
-          </p:cNvPicPr>
-          <p:nvPr/>
-        </p:nvPicPr>
-        <p:blipFill>
-          <a:blip r:embed="rId6"/>
-          <a:stretch>
-            <a:fillRect/>
-          </a:stretch>
-        </p:blipFill>
-        <p:spPr>
-          <a:xfrm>
-            <a:off x="7720079" y="1273569"/>
-            <a:ext cx="2362530" cy="5325218"/>
-          </a:xfrm>
-          <a:prstGeom prst="rect">
-            <a:avLst/>
-          </a:prstGeom>
-        </p:spPr>
-      </p:pic>
-      <p:pic>
-        <p:nvPicPr>
-          <p:cNvPr id="7" name="0D44E1">
-            <a:hlinkClick r:id="" action="ppaction://media"/>
-          </p:cNvPr>
-          <p:cNvPicPr>
-            <a:picLocks noChangeAspect="1"/>
-          </p:cNvPicPr>
-          <p:nvPr>
-            <a:videoFile r:link="rId2"/>
-            <p:extLst>
-              <p:ext uri="{DAA4B4D4-6D71-4841-9C94-3DE7FCFB9230}">
-                <p14:media xmlns:p14="http://schemas.microsoft.com/office/powerpoint/2010/main" r:embed="rId1"/>
-              </p:ext>
-            </p:extLst>
-          </p:nvPr>
-        </p:nvPicPr>
-        <p:blipFill>
-          <a:blip r:embed="rId7"/>
-          <a:stretch>
-            <a:fillRect/>
-          </a:stretch>
-        </p:blipFill>
-        <p:spPr>
-          <a:xfrm>
-            <a:off x="3748232" y="2474819"/>
-            <a:ext cx="3749618" cy="1912305"/>
-          </a:xfrm>
-          <a:prstGeom prst="rect">
-            <a:avLst/>
-          </a:prstGeom>
-        </p:spPr>
-      </p:pic>
       <p:sp>
         <p:nvSpPr>
-          <p:cNvPr id="9" name="TextBox 8"/>
-          <p:cNvSpPr txBox="1"/>
-          <p:nvPr/>
-        </p:nvSpPr>
-        <p:spPr>
-          <a:xfrm>
-            <a:off x="831312" y="1088903"/>
-            <a:ext cx="5800308" cy="923330"/>
-          </a:xfrm>
-          <a:prstGeom prst="rect">
-            <a:avLst/>
-          </a:prstGeom>
-          <a:noFill/>
-        </p:spPr>
-        <p:txBody>
-          <a:bodyPr wrap="square" rtlCol="0">
-            <a:spAutoFit/>
-          </a:bodyPr>
-          <a:lstStyle/>
-          <a:p>
-            <a:r>
-              <a:rPr lang="en-US" altLang="ko-KR" dirty="0" smtClean="0"/>
-              <a:t>Q&amp;A, </a:t>
-            </a:r>
-            <a:r>
-              <a:rPr lang="ko-KR" altLang="en-US" dirty="0" err="1" smtClean="0"/>
-              <a:t>자주묻는</a:t>
-            </a:r>
-            <a:r>
-              <a:rPr lang="ko-KR" altLang="en-US" dirty="0" smtClean="0"/>
-              <a:t> 질문에 가져가 놓으면 굵어지며 </a:t>
-            </a:r>
-            <a:r>
-              <a:rPr lang="en-US" altLang="ko-KR" dirty="0" smtClean="0"/>
-              <a:t>center</a:t>
-            </a:r>
-            <a:r>
-              <a:rPr lang="ko-KR" altLang="en-US" dirty="0" smtClean="0"/>
-              <a:t>로</a:t>
-            </a:r>
-            <a:endParaRPr lang="en-US" altLang="ko-KR" dirty="0" smtClean="0"/>
-          </a:p>
-          <a:p>
-            <a:r>
-              <a:rPr lang="ko-KR" altLang="en-US" dirty="0" smtClean="0"/>
-              <a:t>인하여 텍스트가 중앙으로 정렬된다</a:t>
-            </a:r>
-            <a:r>
-              <a:rPr lang="en-US" altLang="ko-KR" dirty="0" smtClean="0"/>
-              <a:t>.</a:t>
-            </a:r>
-          </a:p>
-          <a:p>
-            <a:r>
-              <a:rPr lang="en-US" altLang="ko-KR" dirty="0" err="1" smtClean="0"/>
-              <a:t>Naver</a:t>
-            </a:r>
-            <a:r>
-              <a:rPr lang="en-US" altLang="ko-KR" dirty="0" smtClean="0"/>
-              <a:t>: Gallery Alice</a:t>
-            </a:r>
-            <a:r>
-              <a:rPr lang="ko-KR" altLang="en-US" dirty="0" smtClean="0"/>
-              <a:t>를 누르면 굵어지면서 네이버 카페로 가진다</a:t>
-            </a:r>
-            <a:r>
-              <a:rPr lang="en-US" altLang="ko-KR" dirty="0"/>
-              <a:t>.</a:t>
-            </a:r>
-            <a:endParaRPr lang="ko-KR" altLang="en-US" dirty="0"/>
-          </a:p>
-        </p:txBody>
-      </p:sp>
-    </p:spTree>
-    <p:extLst>
-      <p:ext uri="{BB962C8B-B14F-4D97-AF65-F5344CB8AC3E}">
-        <p14:creationId xmlns:p14="http://schemas.microsoft.com/office/powerpoint/2010/main" val="2943428213"/>
-      </p:ext>
-    </p:extLst>
-  </p:cSld>
-  <p:clrMapOvr>
-    <a:masterClrMapping/>
-  </p:clrMapOvr>
-  <p:timing>
-    <p:tnLst>
-      <p:par>
-        <p:cTn id="1" dur="indefinite" restart="never" nodeType="tmRoot">
-          <p:childTnLst>
-            <p:seq concurrent="1" nextAc="seek">
-              <p:cTn id="2" dur="indefinite" nodeType="mainSeq">
-                <p:childTnLst>
-                  <p:par>
-                    <p:cTn id="3" fill="hold">
-                      <p:stCondLst>
-                        <p:cond delay="indefinite"/>
-                        <p:cond evt="onBegin" delay="0">
-                          <p:tn val="2"/>
-                        </p:cond>
-                      </p:stCondLst>
-                      <p:childTnLst>
-                        <p:par>
-                          <p:cTn id="4" fill="hold">
-                            <p:stCondLst>
-                              <p:cond delay="0"/>
-                            </p:stCondLst>
-                            <p:childTnLst>
-                              <p:par>
-                                <p:cTn id="5" presetID="1" presetClass="mediacall" presetSubtype="0" fill="hold" nodeType="afterEffect">
-                                  <p:stCondLst>
-                                    <p:cond delay="0"/>
-                                  </p:stCondLst>
-                                  <p:childTnLst>
-                                    <p:cmd type="call" cmd="playFrom(0.0)">
-                                      <p:cBhvr>
-                                        <p:cTn id="6" dur="4480" fill="hold"/>
-                                        <p:tgtEl>
-                                          <p:spTgt spid="7"/>
-                                        </p:tgtEl>
-                                      </p:cBhvr>
-                                    </p:cmd>
-                                  </p:childTnLst>
-                                </p:cTn>
-                              </p:par>
-                            </p:childTnLst>
-                          </p:cTn>
-                        </p:par>
-                      </p:childTnLst>
-                    </p:cTn>
-                  </p:par>
-                </p:childTnLst>
-              </p:cTn>
-              <p:prevCondLst>
-                <p:cond evt="onPrev" delay="0">
-                  <p:tgtEl>
-                    <p:sldTgt/>
-                  </p:tgtEl>
-                </p:cond>
-              </p:prevCondLst>
-              <p:nextCondLst>
-                <p:cond evt="onNext" delay="0">
-                  <p:tgtEl>
-                    <p:sldTgt/>
-                  </p:tgtEl>
-                </p:cond>
-              </p:nextCondLst>
-            </p:seq>
-            <p:video>
-              <p:cMediaNode vol="80000">
-                <p:cTn id="7" repeatCount="indefinite" fill="hold" display="0">
-                  <p:stCondLst>
-                    <p:cond delay="indefinite"/>
-                  </p:stCondLst>
-                </p:cTn>
-                <p:tgtEl>
-                  <p:spTgt spid="7"/>
-                </p:tgtEl>
-              </p:cMediaNode>
-            </p:video>
-            <p:seq concurrent="1" nextAc="seek">
-              <p:cTn id="8" restart="whenNotActive" fill="hold" evtFilter="cancelBubble" nodeType="interactiveSeq">
-                <p:stCondLst>
-                  <p:cond evt="onClick" delay="0">
-                    <p:tgtEl>
-                      <p:spTgt spid="7"/>
-                    </p:tgtEl>
-                  </p:cond>
-                </p:stCondLst>
-                <p:endSync evt="end" delay="0">
-                  <p:rtn val="all"/>
-                </p:endSync>
-                <p:childTnLst>
-                  <p:par>
-                    <p:cTn id="9" fill="hold">
-                      <p:stCondLst>
-                        <p:cond delay="0"/>
-                      </p:stCondLst>
-                      <p:childTnLst>
-                        <p:par>
-                          <p:cTn id="10" fill="hold">
-                            <p:stCondLst>
-                              <p:cond delay="0"/>
-                            </p:stCondLst>
-                            <p:childTnLst>
-                              <p:par>
-                                <p:cTn id="11" presetID="2" presetClass="mediacall" presetSubtype="0" fill="hold" nodeType="clickEffect">
-                                  <p:stCondLst>
-                                    <p:cond delay="0"/>
-                                  </p:stCondLst>
-                                  <p:childTnLst>
-                                    <p:cmd type="call" cmd="togglePause">
-                                      <p:cBhvr>
-                                        <p:cTn id="12" dur="1" fill="hold"/>
-                                        <p:tgtEl>
-                                          <p:spTgt spid="7"/>
-                                        </p:tgtEl>
-                                      </p:cBhvr>
-                                    </p:cmd>
-                                  </p:childTnLst>
-                                </p:cTn>
-                              </p:par>
-                            </p:childTnLst>
-                          </p:cTn>
-                        </p:par>
-                      </p:childTnLst>
-                    </p:cTn>
-                  </p:par>
-                </p:childTnLst>
-              </p:cTn>
-              <p:nextCondLst>
-                <p:cond evt="onClick" delay="0">
-                  <p:tgtEl>
-                    <p:spTgt spid="7"/>
-                  </p:tgtEl>
-                </p:cond>
-              </p:nextCondLst>
-            </p:seq>
-          </p:childTnLst>
-        </p:cTn>
-      </p:par>
-    </p:tnLst>
-  </p:timing>
-</p:sld>
-</file>
-
-<file path=ppt/slides/slide8.xml><?xml version="1.0" encoding="utf-8"?>
-<p:sld xmlns:a="http://schemas.openxmlformats.org/drawingml/2006/main" xmlns:r="http://schemas.openxmlformats.org/officeDocument/2006/relationships" xmlns:p="http://schemas.openxmlformats.org/presentationml/2006/main">
-  <p:cSld>
-    <p:spTree>
-      <p:nvGrpSpPr>
-        <p:cNvPr id="1" name=""/>
-        <p:cNvGrpSpPr/>
-        <p:nvPr/>
-      </p:nvGrpSpPr>
-      <p:grpSpPr>
-        <a:xfrm>
-          <a:off x="0" y="0"/>
-          <a:ext cx="0" cy="0"/>
-          <a:chOff x="0" y="0"/>
-          <a:chExt cx="0" cy="0"/>
-        </a:xfrm>
-      </p:grpSpPr>
-      <p:pic>
-        <p:nvPicPr>
-          <p:cNvPr id="4" name="EBC8885">
-            <a:hlinkClick r:id="" action="ppaction://media"/>
-          </p:cNvPr>
-          <p:cNvPicPr>
-            <a:picLocks noChangeAspect="1"/>
-          </p:cNvPicPr>
-          <p:nvPr>
-            <a:videoFile r:link="rId2"/>
-            <p:extLst>
-              <p:ext uri="{DAA4B4D4-6D71-4841-9C94-3DE7FCFB9230}">
-                <p14:media xmlns:p14="http://schemas.microsoft.com/office/powerpoint/2010/main" r:embed="rId1"/>
-              </p:ext>
-            </p:extLst>
-          </p:nvPr>
-        </p:nvPicPr>
-        <p:blipFill>
-          <a:blip r:embed="rId4"/>
-          <a:stretch>
-            <a:fillRect/>
-          </a:stretch>
-        </p:blipFill>
-        <p:spPr>
-          <a:xfrm>
-            <a:off x="963396" y="2577409"/>
-            <a:ext cx="7887801" cy="1745553"/>
-          </a:xfrm>
-          <a:prstGeom prst="rect">
-            <a:avLst/>
-          </a:prstGeom>
-        </p:spPr>
-      </p:pic>
-      <p:pic>
-        <p:nvPicPr>
-          <p:cNvPr id="5" name="그림 4"/>
-          <p:cNvPicPr>
-            <a:picLocks noChangeAspect="1"/>
-          </p:cNvPicPr>
-          <p:nvPr/>
-        </p:nvPicPr>
-        <p:blipFill>
-          <a:blip r:embed="rId5"/>
-          <a:stretch>
-            <a:fillRect/>
-          </a:stretch>
-        </p:blipFill>
-        <p:spPr>
-          <a:xfrm>
-            <a:off x="963396" y="4539674"/>
-            <a:ext cx="7887801" cy="2057687"/>
-          </a:xfrm>
-          <a:prstGeom prst="rect">
-            <a:avLst/>
-          </a:prstGeom>
-        </p:spPr>
-      </p:pic>
-      <p:pic>
-        <p:nvPicPr>
-          <p:cNvPr id="6" name="그림 5"/>
-          <p:cNvPicPr>
-            <a:picLocks noChangeAspect="1"/>
-          </p:cNvPicPr>
-          <p:nvPr/>
-        </p:nvPicPr>
-        <p:blipFill>
-          <a:blip r:embed="rId6"/>
-          <a:stretch>
-            <a:fillRect/>
-          </a:stretch>
-        </p:blipFill>
-        <p:spPr>
-          <a:xfrm>
-            <a:off x="9287108" y="805353"/>
-            <a:ext cx="2619741" cy="5792008"/>
-          </a:xfrm>
-          <a:prstGeom prst="rect">
-            <a:avLst/>
-          </a:prstGeom>
-        </p:spPr>
-      </p:pic>
-      <p:sp>
-        <p:nvSpPr>
-          <p:cNvPr id="7" name="TextBox 6"/>
-          <p:cNvSpPr txBox="1"/>
-          <p:nvPr/>
-        </p:nvSpPr>
-        <p:spPr>
-          <a:xfrm>
-            <a:off x="963396" y="1084058"/>
-            <a:ext cx="6865982" cy="923330"/>
-          </a:xfrm>
-          <a:prstGeom prst="rect">
-            <a:avLst/>
-          </a:prstGeom>
-          <a:noFill/>
-        </p:spPr>
-        <p:txBody>
-          <a:bodyPr wrap="none" rtlCol="0">
-            <a:spAutoFit/>
-          </a:bodyPr>
-          <a:lstStyle/>
-          <a:p>
-            <a:r>
-              <a:rPr lang="en-US" altLang="ko-KR" dirty="0" smtClean="0"/>
-              <a:t>H1</a:t>
-            </a:r>
-            <a:r>
-              <a:rPr lang="ko-KR" altLang="en-US" dirty="0" smtClean="0"/>
-              <a:t>을 크기를 크게 하였으며</a:t>
-            </a:r>
-            <a:r>
-              <a:rPr lang="en-US" altLang="ko-KR" dirty="0" smtClean="0"/>
-              <a:t>, </a:t>
-            </a:r>
-            <a:r>
-              <a:rPr lang="ko-KR" altLang="en-US" dirty="0" smtClean="0"/>
-              <a:t>텍스트를 중앙 정렬 하였다</a:t>
-            </a:r>
-            <a:endParaRPr lang="en-US" altLang="ko-KR" dirty="0" smtClean="0"/>
-          </a:p>
-          <a:p>
-            <a:r>
-              <a:rPr lang="ko-KR" altLang="en-US" dirty="0" smtClean="0"/>
-              <a:t>갤러리 이미지의 크기를 지정하고 왼쪽을 </a:t>
-            </a:r>
-            <a:r>
-              <a:rPr lang="en-US" altLang="ko-KR" dirty="0" smtClean="0"/>
-              <a:t>35</a:t>
-            </a:r>
-            <a:r>
-              <a:rPr lang="ko-KR" altLang="en-US" dirty="0" smtClean="0"/>
-              <a:t>만큼 떨어트렸으며</a:t>
-            </a:r>
-            <a:r>
-              <a:rPr lang="en-US" altLang="ko-KR" dirty="0" smtClean="0"/>
-              <a:t>, </a:t>
-            </a:r>
-            <a:r>
-              <a:rPr lang="ko-KR" altLang="en-US" dirty="0" smtClean="0"/>
-              <a:t>가져가 놓으실</a:t>
-            </a:r>
-            <a:endParaRPr lang="en-US" altLang="ko-KR" dirty="0" smtClean="0"/>
-          </a:p>
-          <a:p>
-            <a:r>
-              <a:rPr lang="ko-KR" altLang="en-US" dirty="0" smtClean="0"/>
-              <a:t>이미지가 불투명해진다</a:t>
-            </a:r>
-            <a:r>
-              <a:rPr lang="en-US" altLang="ko-KR" dirty="0" smtClean="0"/>
-              <a:t>.</a:t>
-            </a:r>
-            <a:endParaRPr lang="ko-KR" altLang="en-US" dirty="0"/>
-          </a:p>
-        </p:txBody>
-      </p:sp>
-    </p:spTree>
-    <p:extLst>
-      <p:ext uri="{BB962C8B-B14F-4D97-AF65-F5344CB8AC3E}">
-        <p14:creationId xmlns:p14="http://schemas.microsoft.com/office/powerpoint/2010/main" val="3634276773"/>
-      </p:ext>
-    </p:extLst>
-  </p:cSld>
-  <p:clrMapOvr>
-    <a:masterClrMapping/>
-  </p:clrMapOvr>
-  <p:timing>
-    <p:tnLst>
-      <p:par>
-        <p:cTn id="1" dur="indefinite" restart="never" nodeType="tmRoot">
-          <p:childTnLst>
-            <p:seq concurrent="1" nextAc="seek">
-              <p:cTn id="2" restart="whenNotActive" fill="hold" evtFilter="cancelBubble" nodeType="interactiveSeq">
-                <p:stCondLst>
-                  <p:cond evt="onClick" delay="0">
-                    <p:tgtEl>
-                      <p:spTgt spid="4"/>
-                    </p:tgtEl>
-                  </p:cond>
-                </p:stCondLst>
-                <p:endSync evt="end" delay="0">
-                  <p:rtn val="all"/>
-                </p:endSync>
-                <p:childTnLst>
-                  <p:par>
-                    <p:cTn id="3" fill="hold">
-                      <p:stCondLst>
-                        <p:cond delay="0"/>
-                      </p:stCondLst>
-                      <p:childTnLst>
-                        <p:par>
-                          <p:cTn id="4" fill="hold">
-                            <p:stCondLst>
-                              <p:cond delay="0"/>
-                            </p:stCondLst>
-                            <p:childTnLst>
-                              <p:par>
-                                <p:cTn id="5" presetID="2" presetClass="mediacall" presetSubtype="0" fill="hold" nodeType="clickEffect">
-                                  <p:stCondLst>
-                                    <p:cond delay="0"/>
-                                  </p:stCondLst>
-                                  <p:childTnLst>
-                                    <p:cmd type="call" cmd="togglePause">
-                                      <p:cBhvr>
-                                        <p:cTn id="6" dur="1" fill="hold"/>
-                                        <p:tgtEl>
-                                          <p:spTgt spid="4"/>
-                                        </p:tgtEl>
-                                      </p:cBhvr>
-                                    </p:cmd>
-                                  </p:childTnLst>
-                                </p:cTn>
-                              </p:par>
-                            </p:childTnLst>
-                          </p:cTn>
-                        </p:par>
-                      </p:childTnLst>
-                    </p:cTn>
-                  </p:par>
-                </p:childTnLst>
-              </p:cTn>
-              <p:nextCondLst>
-                <p:cond evt="onClick" delay="0">
-                  <p:tgtEl>
-                    <p:spTgt spid="4"/>
-                  </p:tgtEl>
-                </p:cond>
-              </p:nextCondLst>
-            </p:seq>
-            <p:video>
-              <p:cMediaNode vol="80000">
-                <p:cTn id="7" fill="hold" display="0">
-                  <p:stCondLst>
-                    <p:cond delay="indefinite"/>
-                  </p:stCondLst>
-                </p:cTn>
-                <p:tgtEl>
-                  <p:spTgt spid="4"/>
-                </p:tgtEl>
-              </p:cMediaNode>
-            </p:video>
-          </p:childTnLst>
-        </p:cTn>
-      </p:par>
-    </p:tnLst>
-  </p:timing>
-</p:sld>
-</file>
-
-<file path=ppt/slides/slide9.xml><?xml version="1.0" encoding="utf-8"?>
-<p:sld xmlns:a="http://schemas.openxmlformats.org/drawingml/2006/main" xmlns:r="http://schemas.openxmlformats.org/officeDocument/2006/relationships" xmlns:p="http://schemas.openxmlformats.org/presentationml/2006/main">
-  <p:cSld>
-    <p:spTree>
-      <p:nvGrpSpPr>
-        <p:cNvPr id="1" name=""/>
-        <p:cNvGrpSpPr/>
-        <p:nvPr/>
-      </p:nvGrpSpPr>
-      <p:grpSpPr>
-        <a:xfrm>
-          <a:off x="0" y="0"/>
-          <a:ext cx="0" cy="0"/>
-          <a:chOff x="0" y="0"/>
-          <a:chExt cx="0" cy="0"/>
-        </a:xfrm>
-      </p:grpSpPr>
-      <p:sp>
-        <p:nvSpPr>
-          <p:cNvPr id="4" name="제목 1"/>
+          <p:cNvPr id="2" name="제목 1"/>
           <p:cNvSpPr>
             <a:spLocks noGrp="1"/>
           </p:cNvSpPr>
@@ -11205,8 +9945,8 @@
         </p:nvSpPr>
         <p:spPr>
           <a:xfrm>
-            <a:off x="0" y="2370338"/>
-            <a:ext cx="12191999" cy="1997475"/>
+            <a:off x="201108" y="2370338"/>
+            <a:ext cx="11990891" cy="1997475"/>
           </a:xfrm>
         </p:spPr>
         <p:txBody>
@@ -11217,12 +9957,8 @@
           <a:p>
             <a:pPr algn="ctr"/>
             <a:r>
-              <a:rPr lang="en-US" altLang="ko-KR" sz="7000" dirty="0" smtClean="0"/>
-              <a:t>Footer </a:t>
-            </a:r>
-            <a:r>
               <a:rPr lang="ko-KR" altLang="en-US" sz="7000" dirty="0" smtClean="0"/>
-              <a:t>소개</a:t>
+              <a:t>포부</a:t>
             </a:r>
             <a:endParaRPr lang="ko-KR" altLang="en-US" sz="7000" dirty="0"/>
           </a:p>
@@ -11231,7 +9967,7 @@
     </p:spTree>
     <p:extLst>
       <p:ext uri="{BB962C8B-B14F-4D97-AF65-F5344CB8AC3E}">
-        <p14:creationId xmlns:p14="http://schemas.microsoft.com/office/powerpoint/2010/main" val="1130694293"/>
+        <p14:creationId xmlns:p14="http://schemas.microsoft.com/office/powerpoint/2010/main" val="4020342906"/>
       </p:ext>
     </p:extLst>
   </p:cSld>

--- a/Gallery Alice.pptx
+++ b/Gallery Alice.pptx
@@ -1,17 +1,17 @@
 
 <file path=ppt/presentation.xml><?xml version="1.0" encoding="utf-8"?>
-<p:presentation xmlns:r="http://schemas.openxmlformats.org/officeDocument/2006/relationships" xmlns:c="http://schemas.openxmlformats.org/drawingml/2006/chart" xmlns:a="http://schemas.openxmlformats.org/drawingml/2006/main" xmlns:dgm="http://schemas.openxmlformats.org/drawingml/2006/diagram" xmlns:dsp="http://schemas.microsoft.com/office/drawing/2008/diagram" xmlns:p="http://schemas.openxmlformats.org/presentationml/2006/main">
+<p:presentation xmlns:a="http://schemas.openxmlformats.org/drawingml/2006/main" xmlns:r="http://schemas.openxmlformats.org/officeDocument/2006/relationships" xmlns:p="http://schemas.openxmlformats.org/presentationml/2006/main">
   <p:sldMasterIdLst>
     <p:sldMasterId id="2147483678" r:id="rId1"/>
   </p:sldMasterIdLst>
   <p:sldIdLst>
     <p:sldId id="256" r:id="rId2"/>
     <p:sldId id="257" r:id="rId3"/>
-    <p:sldId id="280" r:id="rId4"/>
-    <p:sldId id="274" r:id="rId5"/>
-    <p:sldId id="273" r:id="rId6"/>
-    <p:sldId id="272" r:id="rId7"/>
-    <p:sldId id="277" r:id="rId8"/>
+    <p:sldId id="274" r:id="rId4"/>
+    <p:sldId id="280" r:id="rId5"/>
+    <p:sldId id="281" r:id="rId6"/>
+    <p:sldId id="273" r:id="rId7"/>
+    <p:sldId id="272" r:id="rId8"/>
     <p:sldId id="271" r:id="rId9"/>
     <p:sldId id="270" r:id="rId10"/>
   </p:sldIdLst>
@@ -112,6 +112,11 @@
       </a:defRPr>
     </a:lvl9pPr>
   </p:defaultTextStyle>
+  <p:extLst>
+    <p:ext uri="{EFAFB233-063F-42B5-8137-9DF3F51BA10A}">
+      <p15:sldGuideLst xmlns:p15="http://schemas.microsoft.com/office/powerpoint/2012/main"/>
+    </p:ext>
+  </p:extLst>
 </p:presentation>
 </file>
 
@@ -302,7 +307,7 @@
           <a:p>
             <a:fld id="{883A1497-3362-46D6-850F-B16A968208D8}" type="datetimeFigureOut">
               <a:rPr lang="ko-KR" altLang="en-US" smtClean="0"/>
-              <a:t>2023-05-03</a:t>
+              <a:t>2023-05-08</a:t>
             </a:fld>
             <a:endParaRPr lang="ko-KR" altLang="en-US"/>
           </a:p>
@@ -2106,7 +2111,7 @@
           <a:p>
             <a:fld id="{883A1497-3362-46D6-850F-B16A968208D8}" type="datetimeFigureOut">
               <a:rPr lang="ko-KR" altLang="en-US" smtClean="0"/>
-              <a:t>2023-05-03</a:t>
+              <a:t>2023-05-08</a:t>
             </a:fld>
             <a:endParaRPr lang="ko-KR" altLang="en-US"/>
           </a:p>
@@ -2286,7 +2291,7 @@
           <a:p>
             <a:fld id="{883A1497-3362-46D6-850F-B16A968208D8}" type="datetimeFigureOut">
               <a:rPr lang="ko-KR" altLang="en-US" smtClean="0"/>
-              <a:t>2023-05-03</a:t>
+              <a:t>2023-05-08</a:t>
             </a:fld>
             <a:endParaRPr lang="ko-KR" altLang="en-US"/>
           </a:p>
@@ -2461,7 +2466,7 @@
           <a:p>
             <a:fld id="{883A1497-3362-46D6-850F-B16A968208D8}" type="datetimeFigureOut">
               <a:rPr lang="ko-KR" altLang="en-US" smtClean="0"/>
-              <a:t>2023-05-03</a:t>
+              <a:t>2023-05-08</a:t>
             </a:fld>
             <a:endParaRPr lang="ko-KR" altLang="en-US"/>
           </a:p>
@@ -2709,7 +2714,7 @@
           <a:p>
             <a:fld id="{883A1497-3362-46D6-850F-B16A968208D8}" type="datetimeFigureOut">
               <a:rPr lang="ko-KR" altLang="en-US" smtClean="0"/>
-              <a:t>2023-05-03</a:t>
+              <a:t>2023-05-08</a:t>
             </a:fld>
             <a:endParaRPr lang="ko-KR" altLang="en-US"/>
           </a:p>
@@ -4631,7 +4636,7 @@
           <a:p>
             <a:fld id="{883A1497-3362-46D6-850F-B16A968208D8}" type="datetimeFigureOut">
               <a:rPr lang="ko-KR" altLang="en-US" smtClean="0"/>
-              <a:t>2023-05-03</a:t>
+              <a:t>2023-05-08</a:t>
             </a:fld>
             <a:endParaRPr lang="ko-KR" altLang="en-US"/>
           </a:p>
@@ -5067,7 +5072,7 @@
           <a:p>
             <a:fld id="{883A1497-3362-46D6-850F-B16A968208D8}" type="datetimeFigureOut">
               <a:rPr lang="ko-KR" altLang="en-US" smtClean="0"/>
-              <a:t>2023-05-03</a:t>
+              <a:t>2023-05-08</a:t>
             </a:fld>
             <a:endParaRPr lang="ko-KR" altLang="en-US"/>
           </a:p>
@@ -5185,7 +5190,7 @@
           <a:p>
             <a:fld id="{883A1497-3362-46D6-850F-B16A968208D8}" type="datetimeFigureOut">
               <a:rPr lang="ko-KR" altLang="en-US" smtClean="0"/>
-              <a:t>2023-05-03</a:t>
+              <a:t>2023-05-08</a:t>
             </a:fld>
             <a:endParaRPr lang="ko-KR" altLang="en-US"/>
           </a:p>
@@ -5280,7 +5285,7 @@
           <a:p>
             <a:fld id="{883A1497-3362-46D6-850F-B16A968208D8}" type="datetimeFigureOut">
               <a:rPr lang="ko-KR" altLang="en-US" smtClean="0"/>
-              <a:t>2023-05-03</a:t>
+              <a:t>2023-05-08</a:t>
             </a:fld>
             <a:endParaRPr lang="ko-KR" altLang="en-US"/>
           </a:p>
@@ -5577,7 +5582,7 @@
           <a:p>
             <a:fld id="{883A1497-3362-46D6-850F-B16A968208D8}" type="datetimeFigureOut">
               <a:rPr lang="ko-KR" altLang="en-US" smtClean="0"/>
-              <a:t>2023-05-03</a:t>
+              <a:t>2023-05-08</a:t>
             </a:fld>
             <a:endParaRPr lang="ko-KR" altLang="en-US"/>
           </a:p>
@@ -5849,7 +5854,7 @@
           <a:p>
             <a:fld id="{883A1497-3362-46D6-850F-B16A968208D8}" type="datetimeFigureOut">
               <a:rPr lang="ko-KR" altLang="en-US" smtClean="0"/>
-              <a:t>2023-05-03</a:t>
+              <a:t>2023-05-08</a:t>
             </a:fld>
             <a:endParaRPr lang="ko-KR" altLang="en-US"/>
           </a:p>
@@ -8962,7 +8967,7 @@
           <a:p>
             <a:fld id="{883A1497-3362-46D6-850F-B16A968208D8}" type="datetimeFigureOut">
               <a:rPr lang="ko-KR" altLang="en-US" smtClean="0"/>
-              <a:t>2023-05-03</a:t>
+              <a:t>2023-05-08</a:t>
             </a:fld>
             <a:endParaRPr lang="ko-KR" altLang="en-US"/>
           </a:p>
@@ -9502,7 +9507,7 @@
 </file>
 
 <file path=ppt/slides/slide2.xml><?xml version="1.0" encoding="utf-8"?>
-<p:sld xmlns:r="http://schemas.openxmlformats.org/officeDocument/2006/relationships" xmlns:c="http://schemas.openxmlformats.org/drawingml/2006/chart" xmlns:a="http://schemas.openxmlformats.org/drawingml/2006/main" xmlns:dgm="http://schemas.openxmlformats.org/drawingml/2006/diagram" xmlns:dsp="http://schemas.microsoft.com/office/drawing/2008/diagram" xmlns:p="http://schemas.openxmlformats.org/presentationml/2006/main">
+<p:sld xmlns:a="http://schemas.openxmlformats.org/drawingml/2006/main" xmlns:r="http://schemas.openxmlformats.org/officeDocument/2006/relationships" xmlns:p="http://schemas.openxmlformats.org/presentationml/2006/main">
   <p:cSld>
     <p:spTree>
       <p:nvGrpSpPr>
@@ -9558,7 +9563,7 @@
         </p:spPr>
         <p:txBody>
           <a:bodyPr>
-            <a:normAutofit fontScale="85000" lnSpcReduction="20000"/>
+            <a:normAutofit fontScale="92500" lnSpcReduction="20000"/>
           </a:bodyPr>
           <a:lstStyle/>
           <a:p>
@@ -9566,126 +9571,100 @@
               <a:defRPr/>
             </a:pPr>
             <a:r>
-              <a:rPr lang="ko-KR" altLang="en-US"/>
-              <a:t>전체 구성</a:t>
+              <a:rPr lang="ko-KR" altLang="en-US" dirty="0" smtClean="0"/>
+              <a:t>만든 계기</a:t>
             </a:r>
-            <a:endParaRPr lang="ko-KR" altLang="en-US"/>
+            <a:endParaRPr lang="ko-KR" altLang="en-US" dirty="0"/>
           </a:p>
           <a:p>
             <a:pPr lvl="0">
               <a:defRPr/>
             </a:pPr>
-            <a:endParaRPr lang="ko-KR" altLang="en-US"/>
+            <a:endParaRPr lang="ko-KR" altLang="en-US" dirty="0"/>
           </a:p>
           <a:p>
             <a:pPr lvl="0">
               <a:defRPr/>
             </a:pPr>
             <a:r>
-              <a:rPr lang="ko-KR" altLang="en-US"/>
-              <a:t>만든 계기</a:t>
+              <a:rPr lang="ko-KR" altLang="en-US" dirty="0" smtClean="0"/>
+              <a:t>전체 구성</a:t>
             </a:r>
-            <a:endParaRPr lang="ko-KR" altLang="en-US"/>
+            <a:endParaRPr lang="ko-KR" altLang="en-US" dirty="0"/>
           </a:p>
           <a:p>
             <a:pPr lvl="0">
               <a:defRPr/>
             </a:pPr>
-            <a:endParaRPr lang="en-US" altLang="ko-KR"/>
+            <a:endParaRPr lang="en-US" altLang="ko-KR" dirty="0"/>
           </a:p>
           <a:p>
             <a:pPr lvl="0">
               <a:defRPr/>
             </a:pPr>
             <a:r>
-              <a:rPr lang="en-US" altLang="ko-KR"/>
+              <a:rPr lang="en-US" altLang="ko-KR" dirty="0"/>
               <a:t>Header </a:t>
             </a:r>
             <a:r>
-              <a:rPr lang="ko-KR" altLang="en-US"/>
+              <a:rPr lang="ko-KR" altLang="en-US" dirty="0"/>
               <a:t>소개</a:t>
             </a:r>
-            <a:endParaRPr lang="ko-KR" altLang="en-US"/>
           </a:p>
           <a:p>
             <a:pPr lvl="0">
               <a:defRPr/>
             </a:pPr>
-            <a:endParaRPr lang="en-US" altLang="ko-KR"/>
+            <a:endParaRPr lang="en-US" altLang="ko-KR" dirty="0"/>
           </a:p>
           <a:p>
             <a:pPr lvl="0">
               <a:defRPr/>
             </a:pPr>
             <a:r>
-              <a:rPr lang="en-US" altLang="ko-KR"/>
+              <a:rPr lang="en-US" altLang="ko-KR" dirty="0"/>
               <a:t>Body </a:t>
             </a:r>
             <a:r>
-              <a:rPr lang="ko-KR" altLang="en-US"/>
+              <a:rPr lang="ko-KR" altLang="en-US" dirty="0" smtClean="0"/>
               <a:t>소개</a:t>
             </a:r>
-            <a:endParaRPr lang="ko-KR" altLang="en-US"/>
+            <a:endParaRPr lang="en-US" altLang="ko-KR" dirty="0" smtClean="0"/>
           </a:p>
           <a:p>
             <a:pPr lvl="0">
               <a:defRPr/>
             </a:pPr>
-            <a:endParaRPr lang="en-US" altLang="ko-KR"/>
+            <a:endParaRPr lang="en-US" altLang="ko-KR" dirty="0"/>
           </a:p>
           <a:p>
             <a:pPr lvl="0">
               <a:defRPr/>
             </a:pPr>
             <a:r>
-              <a:rPr lang="ko-KR" altLang="en-US"/>
-              <a:t>게시판</a:t>
+              <a:rPr lang="en-US" altLang="ko-KR" dirty="0"/>
+              <a:t>Footer</a:t>
             </a:r>
             <a:r>
-              <a:rPr lang="en-US" altLang="ko-KR"/>
-              <a:t> </a:t>
+              <a:rPr lang="ko-KR" altLang="en-US" dirty="0"/>
+              <a:t> 소개</a:t>
             </a:r>
-            <a:r>
-              <a:rPr lang="ko-KR" altLang="en-US"/>
-              <a:t>소개</a:t>
-            </a:r>
-            <a:endParaRPr lang="ko-KR" altLang="en-US"/>
           </a:p>
           <a:p>
             <a:pPr lvl="0">
               <a:defRPr/>
             </a:pPr>
-            <a:endParaRPr lang="en-US" altLang="ko-KR"/>
+            <a:endParaRPr lang="en-US" altLang="ko-KR" dirty="0"/>
           </a:p>
           <a:p>
             <a:pPr lvl="0">
               <a:defRPr/>
             </a:pPr>
             <a:r>
-              <a:rPr lang="en-US" altLang="ko-KR"/>
-              <a:t>Footer</a:t>
-            </a:r>
-            <a:r>
-              <a:rPr lang="ko-KR" altLang="en-US"/>
-              <a:t> 소개</a:t>
-            </a:r>
-            <a:endParaRPr lang="ko-KR" altLang="en-US"/>
-          </a:p>
-          <a:p>
-            <a:pPr lvl="0">
-              <a:defRPr/>
-            </a:pPr>
-            <a:endParaRPr lang="en-US" altLang="ko-KR"/>
-          </a:p>
-          <a:p>
-            <a:pPr lvl="0">
-              <a:defRPr/>
-            </a:pPr>
-            <a:r>
-              <a:rPr lang="ko-KR" altLang="en-US"/>
+              <a:rPr lang="ko-KR" altLang="en-US" dirty="0" err="1"/>
               <a:t>느낌점</a:t>
             </a:r>
-            <a:endParaRPr lang="ko-KR" altLang="en-US"/>
+            <a:endParaRPr lang="ko-KR" altLang="en-US" dirty="0"/>
           </a:p>
         </p:txBody>
       </p:sp>
@@ -9699,11 +9678,11 @@
   <p:clrMapOvr>
     <a:masterClrMapping/>
   </p:clrMapOvr>
-  <mc:AlternateContent xmlns:mc="http://schemas.openxmlformats.org/markup-compatibility/2006">
-    <mc:Choice xmlns:p14="http://schemas.microsoft.com/office/powerpoint/2010/main" Requires="p14">
-      <p:transition xmlns:mc="http://schemas.openxmlformats.org/markup-compatibility/2006" xmlns:p14="http://schemas.microsoft.com/office/powerpoint/2010/main" mc:Ignorable="p14" p14:dur="500"/>
+  <mc:AlternateContent xmlns:mc="http://schemas.openxmlformats.org/markup-compatibility/2006" xmlns:p14="http://schemas.microsoft.com/office/powerpoint/2010/main">
+    <mc:Choice Requires="p14">
+      <p:transition/>
     </mc:Choice>
-    <mc:Fallback>
+    <mc:Fallback xmlns:dsp="http://schemas.microsoft.com/office/drawing/2008/diagram" xmlns:dgm="http://schemas.openxmlformats.org/drawingml/2006/diagram" xmlns:c="http://schemas.openxmlformats.org/drawingml/2006/chart" xmlns="">
       <p:transition/>
     </mc:Fallback>
   </mc:AlternateContent>
@@ -9718,115 +9697,6 @@
 </file>
 
 <file path=ppt/slides/slide3.xml><?xml version="1.0" encoding="utf-8"?>
-<p:sld xmlns:r="http://schemas.openxmlformats.org/officeDocument/2006/relationships" xmlns:c="http://schemas.openxmlformats.org/drawingml/2006/chart" xmlns:a="http://schemas.openxmlformats.org/drawingml/2006/main" xmlns:dgm="http://schemas.openxmlformats.org/drawingml/2006/diagram" xmlns:dsp="http://schemas.microsoft.com/office/drawing/2008/diagram" xmlns:p="http://schemas.openxmlformats.org/presentationml/2006/main">
-  <p:cSld>
-    <p:spTree>
-      <p:nvGrpSpPr>
-        <p:cNvPr id="1" name=""/>
-        <p:cNvGrpSpPr/>
-        <p:nvPr/>
-      </p:nvGrpSpPr>
-      <p:grpSpPr>
-        <a:xfrm>
-          <a:off x="0" y="0"/>
-          <a:ext cx="0" cy="0"/>
-          <a:chOff x="0" y="0"/>
-          <a:chExt cx="0" cy="0"/>
-        </a:xfrm>
-      </p:grpSpPr>
-      <p:sp>
-        <p:nvSpPr>
-          <p:cNvPr id="4" name="제목 1"/>
-          <p:cNvSpPr>
-            <a:spLocks noGrp="1"/>
-          </p:cNvSpPr>
-          <p:nvPr/>
-        </p:nvSpPr>
-        <p:spPr>
-          <a:xfrm>
-            <a:off x="0" y="2370338"/>
-            <a:ext cx="12191999" cy="1997475"/>
-          </a:xfrm>
-          <a:prstGeom prst="rect">
-            <a:avLst/>
-          </a:prstGeom>
-        </p:spPr>
-        <p:txBody>
-          <a:bodyPr vert="horz" lIns="91440" tIns="45720" rIns="91440" bIns="45720" anchor="ctr">
-            <a:normAutofit/>
-          </a:bodyPr>
-          <a:p>
-            <a:pPr marL="0" indent="0" algn="ctr" defTabSz="914400" rtl="0" eaLnBrk="1" latinLnBrk="1" hangingPunct="1">
-              <a:lnSpc>
-                <a:spcPct val="100000"/>
-              </a:lnSpc>
-              <a:spcBef>
-                <a:spcPct val="0"/>
-              </a:spcBef>
-              <a:spcAft>
-                <a:spcPts val="0"/>
-              </a:spcAft>
-              <a:buNone/>
-              <a:defRPr/>
-            </a:pPr>
-            <a:r>
-              <a:rPr xmlns:mc="http://schemas.openxmlformats.org/markup-compatibility/2006" xmlns:hp="http://schemas.haansoft.com/office/presentation/8.0" kumimoji="0" lang="ko-KR" altLang="en-US" sz="7000" b="1" i="0" u="none" strike="noStrike" kern="1200" cap="none" spc="0" normalizeH="0" baseline="0" mc:Ignorable="hp" hp:hslEmbossed="0">
-                <a:solidFill>
-                  <a:srgbClr val="ffffff"/>
-                </a:solidFill>
-                <a:effectLst>
-                  <a:outerShdw blurRad="63500" dir="3600000" algn="tl" rotWithShape="0">
-                    <a:srgbClr val="000000">
-                      <a:alpha val="70000"/>
-                    </a:srgbClr>
-                  </a:outerShdw>
-                </a:effectLst>
-                <a:latin typeface="Corbel"/>
-                <a:ea typeface="맑은 고딕"/>
-                <a:cs typeface="맑은 고딕"/>
-              </a:rPr>
-              <a:t>전체 구성</a:t>
-            </a:r>
-            <a:endParaRPr xmlns:mc="http://schemas.openxmlformats.org/markup-compatibility/2006" xmlns:hp="http://schemas.haansoft.com/office/presentation/8.0" kumimoji="0" lang="ko-KR" altLang="en-US" sz="7000" b="1" i="0" u="none" strike="noStrike" kern="1200" cap="none" spc="0" normalizeH="0" baseline="0" mc:Ignorable="hp" hp:hslEmbossed="0">
-              <a:solidFill>
-                <a:srgbClr val="ffffff"/>
-              </a:solidFill>
-              <a:effectLst>
-                <a:outerShdw blurRad="63500" dir="3600000" algn="tl" rotWithShape="0">
-                  <a:srgbClr val="000000">
-                    <a:alpha val="70000"/>
-                  </a:srgbClr>
-                </a:outerShdw>
-              </a:effectLst>
-              <a:latin typeface="Corbel"/>
-              <a:ea typeface="맑은 고딕"/>
-              <a:cs typeface="맑은 고딕"/>
-            </a:endParaRPr>
-          </a:p>
-        </p:txBody>
-      </p:sp>
-    </p:spTree>
-    <p:extLst>
-      <p:ext uri="{BB962C8B-B14F-4D97-AF65-F5344CB8AC3E}">
-        <p14:creationId xmlns:p14="http://schemas.microsoft.com/office/powerpoint/2010/main" val="4152570622"/>
-      </p:ext>
-    </p:extLst>
-  </p:cSld>
-  <p:clrMapOvr>
-    <a:masterClrMapping/>
-  </p:clrMapOvr>
-  <mc:AlternateContent xmlns:mc="http://schemas.openxmlformats.org/markup-compatibility/2006">
-    <mc:Choice xmlns:p14="http://schemas.microsoft.com/office/powerpoint/2010/main" Requires="p14">
-      <p:transition xmlns:mc="http://schemas.openxmlformats.org/markup-compatibility/2006" xmlns:p14="http://schemas.microsoft.com/office/powerpoint/2010/main" mc:Ignorable="p14" p14:dur="500"/>
-    </mc:Choice>
-    <mc:Fallback>
-      <p:transition/>
-    </mc:Fallback>
-  </mc:AlternateContent>
-</p:sld>
-</file>
-
-<file path=ppt/slides/slide4.xml><?xml version="1.0" encoding="utf-8"?>
 <p:sld xmlns:a="http://schemas.openxmlformats.org/drawingml/2006/main" xmlns:r="http://schemas.openxmlformats.org/officeDocument/2006/relationships" xmlns:p="http://schemas.openxmlformats.org/presentationml/2006/main">
   <p:cSld>
     <p:spTree>
@@ -9893,7 +9763,7 @@
 </p:sld>
 </file>
 
-<file path=ppt/slides/slide5.xml><?xml version="1.0" encoding="utf-8"?>
+<file path=ppt/slides/slide4.xml><?xml version="1.0" encoding="utf-8"?>
 <p:sld xmlns:a="http://schemas.openxmlformats.org/drawingml/2006/main" xmlns:r="http://schemas.openxmlformats.org/officeDocument/2006/relationships" xmlns:p="http://schemas.openxmlformats.org/presentationml/2006/main">
   <p:cSld>
     <p:spTree>
@@ -9916,30 +9786,53 @@
           <p:cNvSpPr>
             <a:spLocks noGrp="1"/>
           </p:cNvSpPr>
-          <p:nvPr>
-            <p:ph type="title"/>
-          </p:nvPr>
+          <p:nvPr/>
         </p:nvSpPr>
         <p:spPr>
           <a:xfrm>
             <a:off x="0" y="2370338"/>
             <a:ext cx="12191999" cy="1997475"/>
           </a:xfrm>
+          <a:prstGeom prst="rect">
+            <a:avLst/>
+          </a:prstGeom>
         </p:spPr>
         <p:txBody>
-          <a:bodyPr>
+          <a:bodyPr vert="horz" lIns="91440" tIns="45720" rIns="91440" bIns="45720" anchor="ctr">
             <a:normAutofit/>
           </a:bodyPr>
           <a:lstStyle/>
           <a:p>
-            <a:pPr algn="ctr"/>
+            <a:pPr marL="0" indent="0" algn="ctr" defTabSz="914400" rtl="0" eaLnBrk="1" latinLnBrk="1" hangingPunct="1">
+              <a:lnSpc>
+                <a:spcPct val="100000"/>
+              </a:lnSpc>
+              <a:spcBef>
+                <a:spcPct val="0"/>
+              </a:spcBef>
+              <a:spcAft>
+                <a:spcPts val="0"/>
+              </a:spcAft>
+              <a:buNone/>
+              <a:defRPr/>
+            </a:pPr>
             <a:r>
-              <a:rPr lang="en-US" altLang="ko-KR" sz="7000" dirty="0"/>
-              <a:t>Header </a:t>
-            </a:r>
-            <a:r>
-              <a:rPr lang="ko-KR" altLang="en-US" sz="7000" dirty="0"/>
-              <a:t>소개</a:t>
+              <a:rPr kumimoji="0" lang="ko-KR" altLang="en-US" sz="7000" b="1" i="0" u="none" strike="noStrike" kern="1200" cap="none" spc="0" normalizeH="0" baseline="0">
+                <a:solidFill>
+                  <a:srgbClr val="FFFFFF"/>
+                </a:solidFill>
+                <a:effectLst>
+                  <a:outerShdw blurRad="63500" dir="3600000" algn="tl" rotWithShape="0">
+                    <a:srgbClr val="000000">
+                      <a:alpha val="70000"/>
+                    </a:srgbClr>
+                  </a:outerShdw>
+                </a:effectLst>
+                <a:latin typeface="Corbel"/>
+                <a:ea typeface="맑은 고딕"/>
+                <a:cs typeface="맑은 고딕"/>
+              </a:rPr>
+              <a:t>전체 구성</a:t>
             </a:r>
           </a:p>
         </p:txBody>
@@ -9947,7 +9840,283 @@
     </p:spTree>
     <p:extLst>
       <p:ext uri="{BB962C8B-B14F-4D97-AF65-F5344CB8AC3E}">
-        <p14:creationId xmlns:p14="http://schemas.microsoft.com/office/powerpoint/2010/main" val="2024672557"/>
+        <p14:creationId xmlns:p14="http://schemas.microsoft.com/office/powerpoint/2010/main" val="4152570622"/>
+      </p:ext>
+    </p:extLst>
+  </p:cSld>
+  <p:clrMapOvr>
+    <a:masterClrMapping/>
+  </p:clrMapOvr>
+  <mc:AlternateContent xmlns:mc="http://schemas.openxmlformats.org/markup-compatibility/2006" xmlns:p14="http://schemas.microsoft.com/office/powerpoint/2010/main">
+    <mc:Choice Requires="p14">
+      <p:transition/>
+    </mc:Choice>
+    <mc:Fallback xmlns:dsp="http://schemas.microsoft.com/office/drawing/2008/diagram" xmlns:dgm="http://schemas.openxmlformats.org/drawingml/2006/diagram" xmlns:c="http://schemas.openxmlformats.org/drawingml/2006/chart" xmlns="">
+      <p:transition/>
+    </mc:Fallback>
+  </mc:AlternateContent>
+  <p:timing>
+    <p:tnLst>
+      <p:par>
+        <p:cTn id="1" dur="indefinite" restart="never" nodeType="tmRoot"/>
+      </p:par>
+    </p:tnLst>
+  </p:timing>
+</p:sld>
+</file>
+
+<file path=ppt/slides/slide5.xml><?xml version="1.0" encoding="utf-8"?>
+<p:sld xmlns:a="http://schemas.openxmlformats.org/drawingml/2006/main" xmlns:r="http://schemas.openxmlformats.org/officeDocument/2006/relationships" xmlns:p="http://schemas.openxmlformats.org/presentationml/2006/main">
+  <p:cSld>
+    <p:spTree>
+      <p:nvGrpSpPr>
+        <p:cNvPr id="1" name=""/>
+        <p:cNvGrpSpPr/>
+        <p:nvPr/>
+      </p:nvGrpSpPr>
+      <p:grpSpPr>
+        <a:xfrm>
+          <a:off x="0" y="0"/>
+          <a:ext cx="0" cy="0"/>
+          <a:chOff x="0" y="0"/>
+          <a:chExt cx="0" cy="0"/>
+        </a:xfrm>
+      </p:grpSpPr>
+      <p:pic>
+        <p:nvPicPr>
+          <p:cNvPr id="4" name="그림 3"/>
+          <p:cNvPicPr>
+            <a:picLocks noChangeAspect="1"/>
+          </p:cNvPicPr>
+          <p:nvPr/>
+        </p:nvPicPr>
+        <p:blipFill>
+          <a:blip r:embed="rId2"/>
+          <a:stretch>
+            <a:fillRect/>
+          </a:stretch>
+        </p:blipFill>
+        <p:spPr>
+          <a:xfrm>
+            <a:off x="740494" y="417251"/>
+            <a:ext cx="6002184" cy="6232055"/>
+          </a:xfrm>
+          <a:prstGeom prst="rect">
+            <a:avLst/>
+          </a:prstGeom>
+        </p:spPr>
+      </p:pic>
+      <p:sp>
+        <p:nvSpPr>
+          <p:cNvPr id="10" name="오른쪽 중괄호 9"/>
+          <p:cNvSpPr/>
+          <p:nvPr/>
+        </p:nvSpPr>
+        <p:spPr>
+          <a:xfrm>
+            <a:off x="6889072" y="568169"/>
+            <a:ext cx="319596" cy="2361461"/>
+          </a:xfrm>
+          <a:prstGeom prst="rightBrace">
+            <a:avLst>
+              <a:gd name="adj1" fmla="val 8333"/>
+              <a:gd name="adj2" fmla="val 49624"/>
+            </a:avLst>
+          </a:prstGeom>
+        </p:spPr>
+        <p:style>
+          <a:lnRef idx="1">
+            <a:schemeClr val="accent1"/>
+          </a:lnRef>
+          <a:fillRef idx="0">
+            <a:schemeClr val="accent1"/>
+          </a:fillRef>
+          <a:effectRef idx="0">
+            <a:schemeClr val="accent1"/>
+          </a:effectRef>
+          <a:fontRef idx="minor">
+            <a:schemeClr val="tx1"/>
+          </a:fontRef>
+        </p:style>
+        <p:txBody>
+          <a:bodyPr rtlCol="0" anchor="ctr"/>
+          <a:lstStyle/>
+          <a:p>
+            <a:pPr algn="ctr"/>
+            <a:endParaRPr lang="ko-KR" altLang="en-US"/>
+          </a:p>
+        </p:txBody>
+      </p:sp>
+      <p:sp>
+        <p:nvSpPr>
+          <p:cNvPr id="11" name="TextBox 10"/>
+          <p:cNvSpPr txBox="1"/>
+          <p:nvPr/>
+        </p:nvSpPr>
+        <p:spPr>
+          <a:xfrm>
+            <a:off x="7798945" y="1471900"/>
+            <a:ext cx="1353256" cy="553998"/>
+          </a:xfrm>
+          <a:prstGeom prst="rect">
+            <a:avLst/>
+          </a:prstGeom>
+          <a:noFill/>
+        </p:spPr>
+        <p:txBody>
+          <a:bodyPr wrap="none" rtlCol="0">
+            <a:spAutoFit/>
+          </a:bodyPr>
+          <a:lstStyle/>
+          <a:p>
+            <a:r>
+              <a:rPr lang="en-US" altLang="ko-KR" sz="3000" dirty="0" smtClean="0"/>
+              <a:t>Header</a:t>
+            </a:r>
+            <a:endParaRPr lang="ko-KR" altLang="en-US" sz="3000" dirty="0"/>
+          </a:p>
+        </p:txBody>
+      </p:sp>
+      <p:sp>
+        <p:nvSpPr>
+          <p:cNvPr id="12" name="오른쪽 중괄호 11"/>
+          <p:cNvSpPr/>
+          <p:nvPr/>
+        </p:nvSpPr>
+        <p:spPr>
+          <a:xfrm>
+            <a:off x="6889072" y="3275860"/>
+            <a:ext cx="319596" cy="2476869"/>
+          </a:xfrm>
+          <a:prstGeom prst="rightBrace">
+            <a:avLst/>
+          </a:prstGeom>
+        </p:spPr>
+        <p:style>
+          <a:lnRef idx="1">
+            <a:schemeClr val="accent1"/>
+          </a:lnRef>
+          <a:fillRef idx="0">
+            <a:schemeClr val="accent1"/>
+          </a:fillRef>
+          <a:effectRef idx="0">
+            <a:schemeClr val="accent1"/>
+          </a:effectRef>
+          <a:fontRef idx="minor">
+            <a:schemeClr val="tx1"/>
+          </a:fontRef>
+        </p:style>
+        <p:txBody>
+          <a:bodyPr rtlCol="0" anchor="ctr"/>
+          <a:lstStyle/>
+          <a:p>
+            <a:pPr algn="ctr"/>
+            <a:endParaRPr lang="ko-KR" altLang="en-US"/>
+          </a:p>
+        </p:txBody>
+      </p:sp>
+      <p:sp>
+        <p:nvSpPr>
+          <p:cNvPr id="13" name="TextBox 12"/>
+          <p:cNvSpPr txBox="1"/>
+          <p:nvPr/>
+        </p:nvSpPr>
+        <p:spPr>
+          <a:xfrm>
+            <a:off x="7798945" y="4237295"/>
+            <a:ext cx="961866" cy="553998"/>
+          </a:xfrm>
+          <a:prstGeom prst="rect">
+            <a:avLst/>
+          </a:prstGeom>
+          <a:noFill/>
+        </p:spPr>
+        <p:txBody>
+          <a:bodyPr wrap="none" rtlCol="0">
+            <a:spAutoFit/>
+          </a:bodyPr>
+          <a:lstStyle/>
+          <a:p>
+            <a:r>
+              <a:rPr lang="en-US" altLang="ko-KR" sz="3000" dirty="0" smtClean="0"/>
+              <a:t>Body</a:t>
+            </a:r>
+            <a:endParaRPr lang="ko-KR" altLang="en-US" sz="3000" dirty="0"/>
+          </a:p>
+        </p:txBody>
+      </p:sp>
+      <p:sp>
+        <p:nvSpPr>
+          <p:cNvPr id="14" name="오른쪽 중괄호 13"/>
+          <p:cNvSpPr/>
+          <p:nvPr/>
+        </p:nvSpPr>
+        <p:spPr>
+          <a:xfrm>
+            <a:off x="6889072" y="5868140"/>
+            <a:ext cx="319596" cy="781166"/>
+          </a:xfrm>
+          <a:prstGeom prst="rightBrace">
+            <a:avLst/>
+          </a:prstGeom>
+        </p:spPr>
+        <p:style>
+          <a:lnRef idx="1">
+            <a:schemeClr val="accent1"/>
+          </a:lnRef>
+          <a:fillRef idx="0">
+            <a:schemeClr val="accent1"/>
+          </a:fillRef>
+          <a:effectRef idx="0">
+            <a:schemeClr val="accent1"/>
+          </a:effectRef>
+          <a:fontRef idx="minor">
+            <a:schemeClr val="tx1"/>
+          </a:fontRef>
+        </p:style>
+        <p:txBody>
+          <a:bodyPr rtlCol="0" anchor="ctr"/>
+          <a:lstStyle/>
+          <a:p>
+            <a:pPr algn="ctr"/>
+            <a:endParaRPr lang="ko-KR" altLang="en-US"/>
+          </a:p>
+        </p:txBody>
+      </p:sp>
+      <p:sp>
+        <p:nvSpPr>
+          <p:cNvPr id="15" name="TextBox 14"/>
+          <p:cNvSpPr txBox="1"/>
+          <p:nvPr/>
+        </p:nvSpPr>
+        <p:spPr>
+          <a:xfrm>
+            <a:off x="7798945" y="5981724"/>
+            <a:ext cx="1158715" cy="553998"/>
+          </a:xfrm>
+          <a:prstGeom prst="rect">
+            <a:avLst/>
+          </a:prstGeom>
+          <a:noFill/>
+        </p:spPr>
+        <p:txBody>
+          <a:bodyPr wrap="none" rtlCol="0">
+            <a:spAutoFit/>
+          </a:bodyPr>
+          <a:lstStyle/>
+          <a:p>
+            <a:r>
+              <a:rPr lang="en-US" altLang="ko-KR" sz="3000" dirty="0" smtClean="0"/>
+              <a:t>Footer</a:t>
+            </a:r>
+            <a:endParaRPr lang="ko-KR" altLang="en-US" sz="3000" dirty="0"/>
+          </a:p>
+        </p:txBody>
+      </p:sp>
+    </p:spTree>
+    <p:extLst>
+      <p:ext uri="{BB962C8B-B14F-4D97-AF65-F5344CB8AC3E}">
+        <p14:creationId xmlns:p14="http://schemas.microsoft.com/office/powerpoint/2010/main" val="1710796457"/>
       </p:ext>
     </p:extLst>
   </p:cSld>
@@ -10006,7 +10175,7 @@
             <a:pPr algn="ctr"/>
             <a:r>
               <a:rPr lang="en-US" altLang="ko-KR" sz="7000" dirty="0"/>
-              <a:t>Body </a:t>
+              <a:t>Header </a:t>
             </a:r>
             <a:r>
               <a:rPr lang="ko-KR" altLang="en-US" sz="7000" dirty="0"/>
@@ -10018,7 +10187,7 @@
     </p:spTree>
     <p:extLst>
       <p:ext uri="{BB962C8B-B14F-4D97-AF65-F5344CB8AC3E}">
-        <p14:creationId xmlns:p14="http://schemas.microsoft.com/office/powerpoint/2010/main" val="1011513937"/>
+        <p14:creationId xmlns:p14="http://schemas.microsoft.com/office/powerpoint/2010/main" val="2024672557"/>
       </p:ext>
     </p:extLst>
   </p:cSld>
@@ -10054,13 +10223,7 @@
       </p:grpSpPr>
       <p:sp>
         <p:nvSpPr>
-          <p:cNvPr id="4" name="제목 1">
-            <a:extLst>
-              <a:ext uri="{FF2B5EF4-FFF2-40B4-BE49-F238E27FC236}">
-                <a16:creationId xmlns:a16="http://schemas.microsoft.com/office/drawing/2014/main" id="{6F15F355-ADBF-929E-43C3-CD5CE881DCD5}"/>
-              </a:ext>
-            </a:extLst>
-          </p:cNvPr>
+          <p:cNvPr id="4" name="제목 1"/>
           <p:cNvSpPr>
             <a:spLocks noGrp="1"/>
           </p:cNvSpPr>
@@ -10082,8 +10245,12 @@
           <a:p>
             <a:pPr algn="ctr"/>
             <a:r>
+              <a:rPr lang="en-US" altLang="ko-KR" sz="7000" dirty="0"/>
+              <a:t>Body </a:t>
+            </a:r>
+            <a:r>
               <a:rPr lang="ko-KR" altLang="en-US" sz="7000" dirty="0"/>
-              <a:t>게시판 소개</a:t>
+              <a:t>소개</a:t>
             </a:r>
           </a:p>
         </p:txBody>
@@ -10091,7 +10258,7 @@
     </p:spTree>
     <p:extLst>
       <p:ext uri="{BB962C8B-B14F-4D97-AF65-F5344CB8AC3E}">
-        <p14:creationId xmlns:p14="http://schemas.microsoft.com/office/powerpoint/2010/main" val="2778215755"/>
+        <p14:creationId xmlns:p14="http://schemas.microsoft.com/office/powerpoint/2010/main" val="1011513937"/>
       </p:ext>
     </p:extLst>
   </p:cSld>
@@ -10221,7 +10388,7 @@
             <a:pPr algn="ctr"/>
             <a:r>
               <a:rPr lang="ko-KR" altLang="en-US" sz="7000" dirty="0" smtClean="0"/>
-              <a:t>느낌 및 포부</a:t>
+              <a:t>느낌</a:t>
             </a:r>
             <a:endParaRPr lang="ko-KR" altLang="en-US" sz="7000" dirty="0"/>
           </a:p>
@@ -10248,44 +10415,44 @@
 </file>
 
 <file path=ppt/theme/theme1.xml><?xml version="1.0" encoding="utf-8"?>
-<a:theme xmlns:r="http://schemas.openxmlformats.org/officeDocument/2006/relationships" xmlns:c="http://schemas.openxmlformats.org/drawingml/2006/chart" xmlns:dgm="http://schemas.openxmlformats.org/drawingml/2006/diagram" xmlns:dsp="http://schemas.microsoft.com/office/drawing/2008/diagram" xmlns:a="http://schemas.openxmlformats.org/drawingml/2006/main" xmlns:pic="http://schemas.openxmlformats.org/drawingml/2006/picture" xmlns:wp="http://schemas.openxmlformats.org/drawingml/2006/wordprocessingDrawing" xmlns:xdr="http://schemas.openxmlformats.org/drawingml/2006/spreadsheetDrawing" xmlns:lc="http://schemas.openxmlformats.org/drawingml/2006/lockedCanvas" xmlns:p="http://schemas.openxmlformats.org/presentationml/2006/main" name="New_Korea03">
+<a:theme xmlns:a="http://schemas.openxmlformats.org/drawingml/2006/main" name="New_Korea03">
   <a:themeElements>
     <a:clrScheme name="Korea03">
       <a:dk1>
         <a:srgbClr val="000000"/>
       </a:dk1>
       <a:lt1>
-        <a:srgbClr val="ffffff"/>
+        <a:srgbClr val="FFFFFF"/>
       </a:lt1>
       <a:dk2>
-        <a:srgbClr val="0362b9"/>
+        <a:srgbClr val="0362B9"/>
       </a:dk2>
       <a:lt2>
-        <a:srgbClr val="bce7fa"/>
+        <a:srgbClr val="BCE7FA"/>
       </a:lt2>
       <a:accent1>
-        <a:srgbClr val="3db5db"/>
+        <a:srgbClr val="3DB5DB"/>
       </a:accent1>
       <a:accent2>
-        <a:srgbClr val="df9b29"/>
+        <a:srgbClr val="DF9B29"/>
       </a:accent2>
       <a:accent3>
-        <a:srgbClr val="6699ff"/>
+        <a:srgbClr val="6699FF"/>
       </a:accent3>
       <a:accent4>
-        <a:srgbClr val="d361aa"/>
+        <a:srgbClr val="D361AA"/>
       </a:accent4>
       <a:accent5>
-        <a:srgbClr val="a3d75d"/>
+        <a:srgbClr val="A3D75D"/>
       </a:accent5>
       <a:accent6>
-        <a:srgbClr val="d36161"/>
+        <a:srgbClr val="D36161"/>
       </a:accent6>
       <a:hlink>
-        <a:srgbClr val="ff9933"/>
+        <a:srgbClr val="FF9933"/>
       </a:hlink>
       <a:folHlink>
-        <a:srgbClr val="ff3399"/>
+        <a:srgbClr val="FF3399"/>
       </a:folHlink>
     </a:clrScheme>
     <a:fontScheme name="Korea03">
@@ -10538,5 +10705,7 @@
       </a:bgFillStyleLst>
     </a:fmtScheme>
   </a:themeElements>
+  <a:objectDefaults/>
+  <a:extraClrSchemeLst/>
 </a:theme>
 </file>